--- a/Diagrams/topology_eval.pptx
+++ b/Diagrams/topology_eval.pptx
@@ -243,7 +243,7 @@
           <a:p>
             <a:fld id="{75E04F15-32A2-4668-895B-20B33078076B}" type="datetimeFigureOut">
               <a:rPr lang="en-US" smtClean="0"/>
-              <a:t>1/26/17</a:t>
+              <a:t>1/27/2017</a:t>
             </a:fld>
             <a:endParaRPr lang="en-US"/>
           </a:p>
@@ -413,7 +413,7 @@
           <a:p>
             <a:fld id="{75E04F15-32A2-4668-895B-20B33078076B}" type="datetimeFigureOut">
               <a:rPr lang="en-US" smtClean="0"/>
-              <a:t>1/26/17</a:t>
+              <a:t>1/27/2017</a:t>
             </a:fld>
             <a:endParaRPr lang="en-US"/>
           </a:p>
@@ -593,7 +593,7 @@
           <a:p>
             <a:fld id="{75E04F15-32A2-4668-895B-20B33078076B}" type="datetimeFigureOut">
               <a:rPr lang="en-US" smtClean="0"/>
-              <a:t>1/26/17</a:t>
+              <a:t>1/27/2017</a:t>
             </a:fld>
             <a:endParaRPr lang="en-US"/>
           </a:p>
@@ -763,7 +763,7 @@
           <a:p>
             <a:fld id="{75E04F15-32A2-4668-895B-20B33078076B}" type="datetimeFigureOut">
               <a:rPr lang="en-US" smtClean="0"/>
-              <a:t>1/26/17</a:t>
+              <a:t>1/27/2017</a:t>
             </a:fld>
             <a:endParaRPr lang="en-US"/>
           </a:p>
@@ -1009,7 +1009,7 @@
           <a:p>
             <a:fld id="{75E04F15-32A2-4668-895B-20B33078076B}" type="datetimeFigureOut">
               <a:rPr lang="en-US" smtClean="0"/>
-              <a:t>1/26/17</a:t>
+              <a:t>1/27/2017</a:t>
             </a:fld>
             <a:endParaRPr lang="en-US"/>
           </a:p>
@@ -1241,7 +1241,7 @@
           <a:p>
             <a:fld id="{75E04F15-32A2-4668-895B-20B33078076B}" type="datetimeFigureOut">
               <a:rPr lang="en-US" smtClean="0"/>
-              <a:t>1/26/17</a:t>
+              <a:t>1/27/2017</a:t>
             </a:fld>
             <a:endParaRPr lang="en-US"/>
           </a:p>
@@ -1608,7 +1608,7 @@
           <a:p>
             <a:fld id="{75E04F15-32A2-4668-895B-20B33078076B}" type="datetimeFigureOut">
               <a:rPr lang="en-US" smtClean="0"/>
-              <a:t>1/26/17</a:t>
+              <a:t>1/27/2017</a:t>
             </a:fld>
             <a:endParaRPr lang="en-US"/>
           </a:p>
@@ -1726,7 +1726,7 @@
           <a:p>
             <a:fld id="{75E04F15-32A2-4668-895B-20B33078076B}" type="datetimeFigureOut">
               <a:rPr lang="en-US" smtClean="0"/>
-              <a:t>1/26/17</a:t>
+              <a:t>1/27/2017</a:t>
             </a:fld>
             <a:endParaRPr lang="en-US"/>
           </a:p>
@@ -1821,7 +1821,7 @@
           <a:p>
             <a:fld id="{75E04F15-32A2-4668-895B-20B33078076B}" type="datetimeFigureOut">
               <a:rPr lang="en-US" smtClean="0"/>
-              <a:t>1/26/17</a:t>
+              <a:t>1/27/2017</a:t>
             </a:fld>
             <a:endParaRPr lang="en-US"/>
           </a:p>
@@ -2098,7 +2098,7 @@
           <a:p>
             <a:fld id="{75E04F15-32A2-4668-895B-20B33078076B}" type="datetimeFigureOut">
               <a:rPr lang="en-US" smtClean="0"/>
-              <a:t>1/26/17</a:t>
+              <a:t>1/27/2017</a:t>
             </a:fld>
             <a:endParaRPr lang="en-US"/>
           </a:p>
@@ -2355,7 +2355,7 @@
           <a:p>
             <a:fld id="{75E04F15-32A2-4668-895B-20B33078076B}" type="datetimeFigureOut">
               <a:rPr lang="en-US" smtClean="0"/>
-              <a:t>1/26/17</a:t>
+              <a:t>1/27/2017</a:t>
             </a:fld>
             <a:endParaRPr lang="en-US"/>
           </a:p>
@@ -2568,7 +2568,7 @@
           <a:p>
             <a:fld id="{75E04F15-32A2-4668-895B-20B33078076B}" type="datetimeFigureOut">
               <a:rPr lang="en-US" smtClean="0"/>
-              <a:t>1/26/17</a:t>
+              <a:t>1/27/2017</a:t>
             </a:fld>
             <a:endParaRPr lang="en-US"/>
           </a:p>
@@ -3251,15 +3251,7 @@
                   <a:sysClr val="windowText" lastClr="000000"/>
                 </a:solidFill>
               </a:rPr>
-              <a:t>Core L2 </a:t>
-            </a:r>
-            <a:r>
-              <a:rPr lang="en-US" dirty="0" smtClean="0">
-                <a:solidFill>
-                  <a:sysClr val="windowText" lastClr="000000"/>
-                </a:solidFill>
-              </a:rPr>
-              <a:t>Switch</a:t>
+              <a:t>Core L2 Switch</a:t>
             </a:r>
             <a:endParaRPr lang="en-US" dirty="0">
               <a:solidFill>
@@ -3632,15 +3624,15 @@
         </p:spPr>
         <p:style>
           <a:lnRef idx="2">
-            <a:schemeClr val="accent1">
+            <a:schemeClr val="accent3">
               <a:shade val="50000"/>
             </a:schemeClr>
           </a:lnRef>
           <a:fillRef idx="1">
-            <a:schemeClr val="accent1"/>
+            <a:schemeClr val="accent3"/>
           </a:fillRef>
           <a:effectRef idx="0">
-            <a:schemeClr val="accent1"/>
+            <a:schemeClr val="accent3"/>
           </a:effectRef>
           <a:fontRef idx="minor">
             <a:schemeClr val="lt1"/>
@@ -3732,15 +3724,15 @@
         </p:spPr>
         <p:style>
           <a:lnRef idx="2">
-            <a:schemeClr val="accent1">
+            <a:schemeClr val="accent3">
               <a:shade val="50000"/>
             </a:schemeClr>
           </a:lnRef>
           <a:fillRef idx="1">
-            <a:schemeClr val="accent1"/>
+            <a:schemeClr val="accent3"/>
           </a:fillRef>
           <a:effectRef idx="0">
-            <a:schemeClr val="accent1"/>
+            <a:schemeClr val="accent3"/>
           </a:effectRef>
           <a:fontRef idx="minor">
             <a:schemeClr val="lt1"/>
@@ -3830,15 +3822,15 @@
         </p:spPr>
         <p:style>
           <a:lnRef idx="2">
-            <a:schemeClr val="accent1">
+            <a:schemeClr val="accent3">
               <a:shade val="50000"/>
             </a:schemeClr>
           </a:lnRef>
           <a:fillRef idx="1">
-            <a:schemeClr val="accent1"/>
+            <a:schemeClr val="accent3"/>
           </a:fillRef>
           <a:effectRef idx="0">
-            <a:schemeClr val="accent1"/>
+            <a:schemeClr val="accent3"/>
           </a:effectRef>
           <a:fontRef idx="minor">
             <a:schemeClr val="lt1"/>
@@ -3928,15 +3920,15 @@
         </p:spPr>
         <p:style>
           <a:lnRef idx="2">
-            <a:schemeClr val="accent1">
+            <a:schemeClr val="accent3">
               <a:shade val="50000"/>
             </a:schemeClr>
           </a:lnRef>
           <a:fillRef idx="1">
-            <a:schemeClr val="accent1"/>
+            <a:schemeClr val="accent3"/>
           </a:fillRef>
           <a:effectRef idx="0">
-            <a:schemeClr val="accent1"/>
+            <a:schemeClr val="accent3"/>
           </a:effectRef>
           <a:fontRef idx="minor">
             <a:schemeClr val="lt1"/>
@@ -4026,15 +4018,15 @@
         </p:spPr>
         <p:style>
           <a:lnRef idx="2">
-            <a:schemeClr val="accent1">
+            <a:schemeClr val="accent3">
               <a:shade val="50000"/>
             </a:schemeClr>
           </a:lnRef>
           <a:fillRef idx="1">
-            <a:schemeClr val="accent1"/>
+            <a:schemeClr val="accent3"/>
           </a:fillRef>
           <a:effectRef idx="0">
-            <a:schemeClr val="accent1"/>
+            <a:schemeClr val="accent3"/>
           </a:effectRef>
           <a:fontRef idx="minor">
             <a:schemeClr val="lt1"/>
@@ -4121,6 +4113,17 @@
           <a:prstGeom prst="ellipse">
             <a:avLst/>
           </a:prstGeom>
+          <a:solidFill>
+            <a:schemeClr val="accent5">
+              <a:lumMod val="40000"/>
+              <a:lumOff val="60000"/>
+            </a:schemeClr>
+          </a:solidFill>
+          <a:ln>
+            <a:solidFill>
+              <a:schemeClr val="tx1"/>
+            </a:solidFill>
+          </a:ln>
         </p:spPr>
         <p:style>
           <a:lnRef idx="2">
@@ -4221,6 +4224,17 @@
           <a:prstGeom prst="ellipse">
             <a:avLst/>
           </a:prstGeom>
+          <a:solidFill>
+            <a:schemeClr val="accent5">
+              <a:lumMod val="40000"/>
+              <a:lumOff val="60000"/>
+            </a:schemeClr>
+          </a:solidFill>
+          <a:ln>
+            <a:solidFill>
+              <a:schemeClr val="tx1"/>
+            </a:solidFill>
+          </a:ln>
         </p:spPr>
         <p:style>
           <a:lnRef idx="2">
@@ -4319,6 +4333,17 @@
           <a:prstGeom prst="ellipse">
             <a:avLst/>
           </a:prstGeom>
+          <a:solidFill>
+            <a:schemeClr val="accent5">
+              <a:lumMod val="40000"/>
+              <a:lumOff val="60000"/>
+            </a:schemeClr>
+          </a:solidFill>
+          <a:ln>
+            <a:solidFill>
+              <a:schemeClr val="tx1"/>
+            </a:solidFill>
+          </a:ln>
         </p:spPr>
         <p:style>
           <a:lnRef idx="2">
@@ -4443,6 +4468,17 @@
           <a:prstGeom prst="ellipse">
             <a:avLst/>
           </a:prstGeom>
+          <a:solidFill>
+            <a:schemeClr val="accent5">
+              <a:lumMod val="40000"/>
+              <a:lumOff val="60000"/>
+            </a:schemeClr>
+          </a:solidFill>
+          <a:ln>
+            <a:solidFill>
+              <a:schemeClr val="tx1"/>
+            </a:solidFill>
+          </a:ln>
         </p:spPr>
         <p:style>
           <a:lnRef idx="2">
@@ -4541,6 +4577,17 @@
           <a:prstGeom prst="ellipse">
             <a:avLst/>
           </a:prstGeom>
+          <a:solidFill>
+            <a:schemeClr val="accent5">
+              <a:lumMod val="40000"/>
+              <a:lumOff val="60000"/>
+            </a:schemeClr>
+          </a:solidFill>
+          <a:ln>
+            <a:solidFill>
+              <a:schemeClr val="tx1"/>
+            </a:solidFill>
+          </a:ln>
         </p:spPr>
         <p:style>
           <a:lnRef idx="2">

--- a/Diagrams/topology_eval.pptx
+++ b/Diagrams/topology_eval.pptx
@@ -2,19 +2,19 @@
 <file path=ppt/presentation.xml><?xml version="1.0" encoding="utf-8"?>
 <p:presentation xmlns:a="http://schemas.openxmlformats.org/drawingml/2006/main" xmlns:r="http://schemas.openxmlformats.org/officeDocument/2006/relationships" xmlns:p="http://schemas.openxmlformats.org/presentationml/2006/main" saveSubsetFonts="1">
   <p:sldMasterIdLst>
-    <p:sldMasterId id="2147483672" r:id="rId1"/>
+    <p:sldMasterId id="2147483696" r:id="rId1"/>
   </p:sldMasterIdLst>
   <p:sldIdLst>
     <p:sldId id="256" r:id="rId2"/>
   </p:sldIdLst>
-  <p:sldSz cx="9236075" cy="5851525"/>
+  <p:sldSz cx="9236075" cy="3749675"/>
   <p:notesSz cx="6858000" cy="9144000"/>
   <p:defaultTextStyle>
     <a:defPPr>
       <a:defRPr lang="en-US"/>
     </a:defPPr>
-    <a:lvl1pPr marL="0" algn="l" defTabSz="781172" rtl="0" eaLnBrk="1" latinLnBrk="0" hangingPunct="1">
-      <a:defRPr sz="1538" kern="1200">
+    <a:lvl1pPr marL="0" algn="l" defTabSz="457200" rtl="0" eaLnBrk="1" latinLnBrk="0" hangingPunct="1">
+      <a:defRPr sz="1800" kern="1200">
         <a:solidFill>
           <a:schemeClr val="tx1"/>
         </a:solidFill>
@@ -23,8 +23,8 @@
         <a:cs typeface="+mn-cs"/>
       </a:defRPr>
     </a:lvl1pPr>
-    <a:lvl2pPr marL="390586" algn="l" defTabSz="781172" rtl="0" eaLnBrk="1" latinLnBrk="0" hangingPunct="1">
-      <a:defRPr sz="1538" kern="1200">
+    <a:lvl2pPr marL="457200" algn="l" defTabSz="457200" rtl="0" eaLnBrk="1" latinLnBrk="0" hangingPunct="1">
+      <a:defRPr sz="1800" kern="1200">
         <a:solidFill>
           <a:schemeClr val="tx1"/>
         </a:solidFill>
@@ -33,8 +33,8 @@
         <a:cs typeface="+mn-cs"/>
       </a:defRPr>
     </a:lvl2pPr>
-    <a:lvl3pPr marL="781172" algn="l" defTabSz="781172" rtl="0" eaLnBrk="1" latinLnBrk="0" hangingPunct="1">
-      <a:defRPr sz="1538" kern="1200">
+    <a:lvl3pPr marL="914400" algn="l" defTabSz="457200" rtl="0" eaLnBrk="1" latinLnBrk="0" hangingPunct="1">
+      <a:defRPr sz="1800" kern="1200">
         <a:solidFill>
           <a:schemeClr val="tx1"/>
         </a:solidFill>
@@ -43,8 +43,8 @@
         <a:cs typeface="+mn-cs"/>
       </a:defRPr>
     </a:lvl3pPr>
-    <a:lvl4pPr marL="1171758" algn="l" defTabSz="781172" rtl="0" eaLnBrk="1" latinLnBrk="0" hangingPunct="1">
-      <a:defRPr sz="1538" kern="1200">
+    <a:lvl4pPr marL="1371600" algn="l" defTabSz="457200" rtl="0" eaLnBrk="1" latinLnBrk="0" hangingPunct="1">
+      <a:defRPr sz="1800" kern="1200">
         <a:solidFill>
           <a:schemeClr val="tx1"/>
         </a:solidFill>
@@ -53,8 +53,8 @@
         <a:cs typeface="+mn-cs"/>
       </a:defRPr>
     </a:lvl4pPr>
-    <a:lvl5pPr marL="1562344" algn="l" defTabSz="781172" rtl="0" eaLnBrk="1" latinLnBrk="0" hangingPunct="1">
-      <a:defRPr sz="1538" kern="1200">
+    <a:lvl5pPr marL="1828800" algn="l" defTabSz="457200" rtl="0" eaLnBrk="1" latinLnBrk="0" hangingPunct="1">
+      <a:defRPr sz="1800" kern="1200">
         <a:solidFill>
           <a:schemeClr val="tx1"/>
         </a:solidFill>
@@ -63,8 +63,8 @@
         <a:cs typeface="+mn-cs"/>
       </a:defRPr>
     </a:lvl5pPr>
-    <a:lvl6pPr marL="1952930" algn="l" defTabSz="781172" rtl="0" eaLnBrk="1" latinLnBrk="0" hangingPunct="1">
-      <a:defRPr sz="1538" kern="1200">
+    <a:lvl6pPr marL="2286000" algn="l" defTabSz="457200" rtl="0" eaLnBrk="1" latinLnBrk="0" hangingPunct="1">
+      <a:defRPr sz="1800" kern="1200">
         <a:solidFill>
           <a:schemeClr val="tx1"/>
         </a:solidFill>
@@ -73,8 +73,8 @@
         <a:cs typeface="+mn-cs"/>
       </a:defRPr>
     </a:lvl6pPr>
-    <a:lvl7pPr marL="2343516" algn="l" defTabSz="781172" rtl="0" eaLnBrk="1" latinLnBrk="0" hangingPunct="1">
-      <a:defRPr sz="1538" kern="1200">
+    <a:lvl7pPr marL="2743200" algn="l" defTabSz="457200" rtl="0" eaLnBrk="1" latinLnBrk="0" hangingPunct="1">
+      <a:defRPr sz="1800" kern="1200">
         <a:solidFill>
           <a:schemeClr val="tx1"/>
         </a:solidFill>
@@ -83,8 +83,8 @@
         <a:cs typeface="+mn-cs"/>
       </a:defRPr>
     </a:lvl7pPr>
-    <a:lvl8pPr marL="2734102" algn="l" defTabSz="781172" rtl="0" eaLnBrk="1" latinLnBrk="0" hangingPunct="1">
-      <a:defRPr sz="1538" kern="1200">
+    <a:lvl8pPr marL="3200400" algn="l" defTabSz="457200" rtl="0" eaLnBrk="1" latinLnBrk="0" hangingPunct="1">
+      <a:defRPr sz="1800" kern="1200">
         <a:solidFill>
           <a:schemeClr val="tx1"/>
         </a:solidFill>
@@ -93,8 +93,8 @@
         <a:cs typeface="+mn-cs"/>
       </a:defRPr>
     </a:lvl8pPr>
-    <a:lvl9pPr marL="3124688" algn="l" defTabSz="781172" rtl="0" eaLnBrk="1" latinLnBrk="0" hangingPunct="1">
-      <a:defRPr sz="1538" kern="1200">
+    <a:lvl9pPr marL="3657600" algn="l" defTabSz="457200" rtl="0" eaLnBrk="1" latinLnBrk="0" hangingPunct="1">
+      <a:defRPr sz="1800" kern="1200">
         <a:solidFill>
           <a:schemeClr val="tx1"/>
         </a:solidFill>
@@ -110,6 +110,10 @@
     </p:ext>
   </p:extLst>
 </p:presentation>
+</file>
+
+<file path=ppt/revisionInfo.xml><?xml version="1.0" encoding="utf-8"?>
+<p1510:revInfo xmlns:a="http://schemas.openxmlformats.org/drawingml/2006/main" xmlns:r="http://schemas.openxmlformats.org/officeDocument/2006/relationships" xmlns:p1510="http://schemas.microsoft.com/office/powerpoint/2015/10/main"/>
 </file>
 
 <file path=ppt/slideLayouts/slideLayout1.xml><?xml version="1.0" encoding="utf-8"?>
@@ -141,20 +145,20 @@
         </p:nvSpPr>
         <p:spPr>
           <a:xfrm>
-            <a:off x="1154510" y="957646"/>
-            <a:ext cx="6927056" cy="2037198"/>
+            <a:off x="1154510" y="613663"/>
+            <a:ext cx="6927056" cy="1305442"/>
           </a:xfrm>
         </p:spPr>
         <p:txBody>
           <a:bodyPr anchor="b"/>
           <a:lstStyle>
             <a:lvl1pPr algn="ctr">
-              <a:defRPr sz="4546"/>
+              <a:defRPr sz="3281"/>
             </a:lvl1pPr>
           </a:lstStyle>
           <a:p>
             <a:r>
-              <a:rPr lang="en-US" smtClean="0"/>
+              <a:rPr lang="en-US"/>
               <a:t>Click to edit Master title style</a:t>
             </a:r>
             <a:endParaRPr lang="en-US" dirty="0"/>
@@ -173,8 +177,8 @@
         </p:nvSpPr>
         <p:spPr>
           <a:xfrm>
-            <a:off x="1154510" y="3073405"/>
-            <a:ext cx="6927056" cy="1412764"/>
+            <a:off x="1154510" y="1969448"/>
+            <a:ext cx="6927056" cy="905303"/>
           </a:xfrm>
         </p:spPr>
         <p:txBody>
@@ -182,44 +186,44 @@
           <a:lstStyle>
             <a:lvl1pPr marL="0" indent="0" algn="ctr">
               <a:buNone/>
-              <a:defRPr sz="1818"/>
+              <a:defRPr sz="1312"/>
             </a:lvl1pPr>
-            <a:lvl2pPr marL="346375" indent="0" algn="ctr">
-              <a:buNone/>
-              <a:defRPr sz="1515"/>
+            <a:lvl2pPr marL="249997" indent="0" algn="ctr">
+              <a:buNone/>
+              <a:defRPr sz="1094"/>
             </a:lvl2pPr>
-            <a:lvl3pPr marL="692749" indent="0" algn="ctr">
-              <a:buNone/>
-              <a:defRPr sz="1364"/>
+            <a:lvl3pPr marL="499994" indent="0" algn="ctr">
+              <a:buNone/>
+              <a:defRPr sz="984"/>
             </a:lvl3pPr>
-            <a:lvl4pPr marL="1039124" indent="0" algn="ctr">
-              <a:buNone/>
-              <a:defRPr sz="1212"/>
+            <a:lvl4pPr marL="749991" indent="0" algn="ctr">
+              <a:buNone/>
+              <a:defRPr sz="875"/>
             </a:lvl4pPr>
-            <a:lvl5pPr marL="1385499" indent="0" algn="ctr">
-              <a:buNone/>
-              <a:defRPr sz="1212"/>
+            <a:lvl5pPr marL="999988" indent="0" algn="ctr">
+              <a:buNone/>
+              <a:defRPr sz="875"/>
             </a:lvl5pPr>
-            <a:lvl6pPr marL="1731874" indent="0" algn="ctr">
-              <a:buNone/>
-              <a:defRPr sz="1212"/>
+            <a:lvl6pPr marL="1249985" indent="0" algn="ctr">
+              <a:buNone/>
+              <a:defRPr sz="875"/>
             </a:lvl6pPr>
-            <a:lvl7pPr marL="2078248" indent="0" algn="ctr">
-              <a:buNone/>
-              <a:defRPr sz="1212"/>
+            <a:lvl7pPr marL="1499982" indent="0" algn="ctr">
+              <a:buNone/>
+              <a:defRPr sz="875"/>
             </a:lvl7pPr>
-            <a:lvl8pPr marL="2424623" indent="0" algn="ctr">
-              <a:buNone/>
-              <a:defRPr sz="1212"/>
+            <a:lvl8pPr marL="1749979" indent="0" algn="ctr">
+              <a:buNone/>
+              <a:defRPr sz="875"/>
             </a:lvl8pPr>
-            <a:lvl9pPr marL="2770998" indent="0" algn="ctr">
-              <a:buNone/>
-              <a:defRPr sz="1212"/>
+            <a:lvl9pPr marL="1999976" indent="0" algn="ctr">
+              <a:buNone/>
+              <a:defRPr sz="875"/>
             </a:lvl9pPr>
           </a:lstStyle>
           <a:p>
             <a:r>
-              <a:rPr lang="en-US" smtClean="0"/>
+              <a:rPr lang="en-US"/>
               <a:t>Click to edit Master subtitle style</a:t>
             </a:r>
             <a:endParaRPr lang="en-US" dirty="0"/>
@@ -243,7 +247,7 @@
           <a:p>
             <a:fld id="{75E04F15-32A2-4668-895B-20B33078076B}" type="datetimeFigureOut">
               <a:rPr lang="en-US" smtClean="0"/>
-              <a:t>1/27/2017</a:t>
+              <a:t>11/7/2017</a:t>
             </a:fld>
             <a:endParaRPr lang="en-US"/>
           </a:p>
@@ -294,7 +298,7 @@
     </p:spTree>
     <p:extLst>
       <p:ext uri="{BB962C8B-B14F-4D97-AF65-F5344CB8AC3E}">
-        <p14:creationId xmlns:p14="http://schemas.microsoft.com/office/powerpoint/2010/main" val="1725831343"/>
+        <p14:creationId xmlns:p14="http://schemas.microsoft.com/office/powerpoint/2010/main" val="1958173290"/>
       </p:ext>
     </p:extLst>
   </p:cSld>
@@ -337,7 +341,7 @@
           <a:lstStyle/>
           <a:p>
             <a:r>
-              <a:rPr lang="en-US" smtClean="0"/>
+              <a:rPr lang="en-US"/>
               <a:t>Click to edit Master title style</a:t>
             </a:r>
             <a:endParaRPr lang="en-US" dirty="0"/>
@@ -361,35 +365,35 @@
           <a:p>
             <a:pPr lvl="0"/>
             <a:r>
-              <a:rPr lang="en-US" smtClean="0"/>
-              <a:t>Click to edit Master text styles</a:t>
+              <a:rPr lang="en-US"/>
+              <a:t>Edit Master text styles</a:t>
             </a:r>
           </a:p>
           <a:p>
             <a:pPr lvl="1"/>
             <a:r>
-              <a:rPr lang="en-US" smtClean="0"/>
+              <a:rPr lang="en-US"/>
               <a:t>Second level</a:t>
             </a:r>
           </a:p>
           <a:p>
             <a:pPr lvl="2"/>
             <a:r>
-              <a:rPr lang="en-US" smtClean="0"/>
+              <a:rPr lang="en-US"/>
               <a:t>Third level</a:t>
             </a:r>
           </a:p>
           <a:p>
             <a:pPr lvl="3"/>
             <a:r>
-              <a:rPr lang="en-US" smtClean="0"/>
+              <a:rPr lang="en-US"/>
               <a:t>Fourth level</a:t>
             </a:r>
           </a:p>
           <a:p>
             <a:pPr lvl="4"/>
             <a:r>
-              <a:rPr lang="en-US" smtClean="0"/>
+              <a:rPr lang="en-US"/>
               <a:t>Fifth level</a:t>
             </a:r>
             <a:endParaRPr lang="en-US" dirty="0"/>
@@ -413,7 +417,7 @@
           <a:p>
             <a:fld id="{75E04F15-32A2-4668-895B-20B33078076B}" type="datetimeFigureOut">
               <a:rPr lang="en-US" smtClean="0"/>
-              <a:t>1/27/2017</a:t>
+              <a:t>11/7/2017</a:t>
             </a:fld>
             <a:endParaRPr lang="en-US"/>
           </a:p>
@@ -464,7 +468,7 @@
     </p:spTree>
     <p:extLst>
       <p:ext uri="{BB962C8B-B14F-4D97-AF65-F5344CB8AC3E}">
-        <p14:creationId xmlns:p14="http://schemas.microsoft.com/office/powerpoint/2010/main" val="119264771"/>
+        <p14:creationId xmlns:p14="http://schemas.microsoft.com/office/powerpoint/2010/main" val="198504815"/>
       </p:ext>
     </p:extLst>
   </p:cSld>
@@ -503,8 +507,8 @@
         </p:nvSpPr>
         <p:spPr>
           <a:xfrm>
-            <a:off x="6609566" y="311540"/>
-            <a:ext cx="1991529" cy="4958897"/>
+            <a:off x="6609566" y="199636"/>
+            <a:ext cx="1991529" cy="3177676"/>
           </a:xfrm>
         </p:spPr>
         <p:txBody>
@@ -512,7 +516,7 @@
           <a:lstStyle/>
           <a:p>
             <a:r>
-              <a:rPr lang="en-US" smtClean="0"/>
+              <a:rPr lang="en-US"/>
               <a:t>Click to edit Master title style</a:t>
             </a:r>
             <a:endParaRPr lang="en-US" dirty="0"/>
@@ -531,8 +535,8 @@
         </p:nvSpPr>
         <p:spPr>
           <a:xfrm>
-            <a:off x="634980" y="311540"/>
-            <a:ext cx="5859135" cy="4958897"/>
+            <a:off x="634980" y="199636"/>
+            <a:ext cx="5859135" cy="3177676"/>
           </a:xfrm>
         </p:spPr>
         <p:txBody>
@@ -541,35 +545,35 @@
           <a:p>
             <a:pPr lvl="0"/>
             <a:r>
-              <a:rPr lang="en-US" smtClean="0"/>
-              <a:t>Click to edit Master text styles</a:t>
+              <a:rPr lang="en-US"/>
+              <a:t>Edit Master text styles</a:t>
             </a:r>
           </a:p>
           <a:p>
             <a:pPr lvl="1"/>
             <a:r>
-              <a:rPr lang="en-US" smtClean="0"/>
+              <a:rPr lang="en-US"/>
               <a:t>Second level</a:t>
             </a:r>
           </a:p>
           <a:p>
             <a:pPr lvl="2"/>
             <a:r>
-              <a:rPr lang="en-US" smtClean="0"/>
+              <a:rPr lang="en-US"/>
               <a:t>Third level</a:t>
             </a:r>
           </a:p>
           <a:p>
             <a:pPr lvl="3"/>
             <a:r>
-              <a:rPr lang="en-US" smtClean="0"/>
+              <a:rPr lang="en-US"/>
               <a:t>Fourth level</a:t>
             </a:r>
           </a:p>
           <a:p>
             <a:pPr lvl="4"/>
             <a:r>
-              <a:rPr lang="en-US" smtClean="0"/>
+              <a:rPr lang="en-US"/>
               <a:t>Fifth level</a:t>
             </a:r>
             <a:endParaRPr lang="en-US" dirty="0"/>
@@ -593,7 +597,7 @@
           <a:p>
             <a:fld id="{75E04F15-32A2-4668-895B-20B33078076B}" type="datetimeFigureOut">
               <a:rPr lang="en-US" smtClean="0"/>
-              <a:t>1/27/2017</a:t>
+              <a:t>11/7/2017</a:t>
             </a:fld>
             <a:endParaRPr lang="en-US"/>
           </a:p>
@@ -644,7 +648,7 @@
     </p:spTree>
     <p:extLst>
       <p:ext uri="{BB962C8B-B14F-4D97-AF65-F5344CB8AC3E}">
-        <p14:creationId xmlns:p14="http://schemas.microsoft.com/office/powerpoint/2010/main" val="4237313252"/>
+        <p14:creationId xmlns:p14="http://schemas.microsoft.com/office/powerpoint/2010/main" val="3257363590"/>
       </p:ext>
     </p:extLst>
   </p:cSld>
@@ -687,7 +691,7 @@
           <a:lstStyle/>
           <a:p>
             <a:r>
-              <a:rPr lang="en-US" smtClean="0"/>
+              <a:rPr lang="en-US"/>
               <a:t>Click to edit Master title style</a:t>
             </a:r>
             <a:endParaRPr lang="en-US" dirty="0"/>
@@ -711,35 +715,35 @@
           <a:p>
             <a:pPr lvl="0"/>
             <a:r>
-              <a:rPr lang="en-US" smtClean="0"/>
-              <a:t>Click to edit Master text styles</a:t>
+              <a:rPr lang="en-US"/>
+              <a:t>Edit Master text styles</a:t>
             </a:r>
           </a:p>
           <a:p>
             <a:pPr lvl="1"/>
             <a:r>
-              <a:rPr lang="en-US" smtClean="0"/>
+              <a:rPr lang="en-US"/>
               <a:t>Second level</a:t>
             </a:r>
           </a:p>
           <a:p>
             <a:pPr lvl="2"/>
             <a:r>
-              <a:rPr lang="en-US" smtClean="0"/>
+              <a:rPr lang="en-US"/>
               <a:t>Third level</a:t>
             </a:r>
           </a:p>
           <a:p>
             <a:pPr lvl="3"/>
             <a:r>
-              <a:rPr lang="en-US" smtClean="0"/>
+              <a:rPr lang="en-US"/>
               <a:t>Fourth level</a:t>
             </a:r>
           </a:p>
           <a:p>
             <a:pPr lvl="4"/>
             <a:r>
-              <a:rPr lang="en-US" smtClean="0"/>
+              <a:rPr lang="en-US"/>
               <a:t>Fifth level</a:t>
             </a:r>
             <a:endParaRPr lang="en-US" dirty="0"/>
@@ -763,7 +767,7 @@
           <a:p>
             <a:fld id="{75E04F15-32A2-4668-895B-20B33078076B}" type="datetimeFigureOut">
               <a:rPr lang="en-US" smtClean="0"/>
-              <a:t>1/27/2017</a:t>
+              <a:t>11/7/2017</a:t>
             </a:fld>
             <a:endParaRPr lang="en-US"/>
           </a:p>
@@ -814,7 +818,7 @@
     </p:spTree>
     <p:extLst>
       <p:ext uri="{BB962C8B-B14F-4D97-AF65-F5344CB8AC3E}">
-        <p14:creationId xmlns:p14="http://schemas.microsoft.com/office/powerpoint/2010/main" val="3150630225"/>
+        <p14:creationId xmlns:p14="http://schemas.microsoft.com/office/powerpoint/2010/main" val="2457385300"/>
       </p:ext>
     </p:extLst>
   </p:cSld>
@@ -853,20 +857,20 @@
         </p:nvSpPr>
         <p:spPr>
           <a:xfrm>
-            <a:off x="630170" y="1458819"/>
-            <a:ext cx="7966115" cy="2434071"/>
+            <a:off x="630170" y="934816"/>
+            <a:ext cx="7966115" cy="1559760"/>
           </a:xfrm>
         </p:spPr>
         <p:txBody>
           <a:bodyPr anchor="b"/>
           <a:lstStyle>
             <a:lvl1pPr>
-              <a:defRPr sz="4546"/>
+              <a:defRPr sz="3281"/>
             </a:lvl1pPr>
           </a:lstStyle>
           <a:p>
             <a:r>
-              <a:rPr lang="en-US" smtClean="0"/>
+              <a:rPr lang="en-US"/>
               <a:t>Click to edit Master title style</a:t>
             </a:r>
             <a:endParaRPr lang="en-US" dirty="0"/>
@@ -885,8 +889,8 @@
         </p:nvSpPr>
         <p:spPr>
           <a:xfrm>
-            <a:off x="630170" y="3915917"/>
-            <a:ext cx="7966115" cy="1280021"/>
+            <a:off x="630170" y="2509332"/>
+            <a:ext cx="7966115" cy="820241"/>
           </a:xfrm>
         </p:spPr>
         <p:txBody>
@@ -894,7 +898,7 @@
           <a:lstStyle>
             <a:lvl1pPr marL="0" indent="0">
               <a:buNone/>
-              <a:defRPr sz="1818">
+              <a:defRPr sz="1312">
                 <a:solidFill>
                   <a:schemeClr val="tx1">
                     <a:tint val="75000"/>
@@ -902,9 +906,9 @@
                 </a:solidFill>
               </a:defRPr>
             </a:lvl1pPr>
-            <a:lvl2pPr marL="346375" indent="0">
-              <a:buNone/>
-              <a:defRPr sz="1515">
+            <a:lvl2pPr marL="249997" indent="0">
+              <a:buNone/>
+              <a:defRPr sz="1094">
                 <a:solidFill>
                   <a:schemeClr val="tx1">
                     <a:tint val="75000"/>
@@ -912,9 +916,9 @@
                 </a:solidFill>
               </a:defRPr>
             </a:lvl2pPr>
-            <a:lvl3pPr marL="692749" indent="0">
-              <a:buNone/>
-              <a:defRPr sz="1364">
+            <a:lvl3pPr marL="499994" indent="0">
+              <a:buNone/>
+              <a:defRPr sz="984">
                 <a:solidFill>
                   <a:schemeClr val="tx1">
                     <a:tint val="75000"/>
@@ -922,9 +926,9 @@
                 </a:solidFill>
               </a:defRPr>
             </a:lvl3pPr>
-            <a:lvl4pPr marL="1039124" indent="0">
-              <a:buNone/>
-              <a:defRPr sz="1212">
+            <a:lvl4pPr marL="749991" indent="0">
+              <a:buNone/>
+              <a:defRPr sz="875">
                 <a:solidFill>
                   <a:schemeClr val="tx1">
                     <a:tint val="75000"/>
@@ -932,9 +936,9 @@
                 </a:solidFill>
               </a:defRPr>
             </a:lvl4pPr>
-            <a:lvl5pPr marL="1385499" indent="0">
-              <a:buNone/>
-              <a:defRPr sz="1212">
+            <a:lvl5pPr marL="999988" indent="0">
+              <a:buNone/>
+              <a:defRPr sz="875">
                 <a:solidFill>
                   <a:schemeClr val="tx1">
                     <a:tint val="75000"/>
@@ -942,9 +946,9 @@
                 </a:solidFill>
               </a:defRPr>
             </a:lvl5pPr>
-            <a:lvl6pPr marL="1731874" indent="0">
-              <a:buNone/>
-              <a:defRPr sz="1212">
+            <a:lvl6pPr marL="1249985" indent="0">
+              <a:buNone/>
+              <a:defRPr sz="875">
                 <a:solidFill>
                   <a:schemeClr val="tx1">
                     <a:tint val="75000"/>
@@ -952,9 +956,9 @@
                 </a:solidFill>
               </a:defRPr>
             </a:lvl6pPr>
-            <a:lvl7pPr marL="2078248" indent="0">
-              <a:buNone/>
-              <a:defRPr sz="1212">
+            <a:lvl7pPr marL="1499982" indent="0">
+              <a:buNone/>
+              <a:defRPr sz="875">
                 <a:solidFill>
                   <a:schemeClr val="tx1">
                     <a:tint val="75000"/>
@@ -962,9 +966,9 @@
                 </a:solidFill>
               </a:defRPr>
             </a:lvl7pPr>
-            <a:lvl8pPr marL="2424623" indent="0">
-              <a:buNone/>
-              <a:defRPr sz="1212">
+            <a:lvl8pPr marL="1749979" indent="0">
+              <a:buNone/>
+              <a:defRPr sz="875">
                 <a:solidFill>
                   <a:schemeClr val="tx1">
                     <a:tint val="75000"/>
@@ -972,9 +976,9 @@
                 </a:solidFill>
               </a:defRPr>
             </a:lvl8pPr>
-            <a:lvl9pPr marL="2770998" indent="0">
-              <a:buNone/>
-              <a:defRPr sz="1212">
+            <a:lvl9pPr marL="1999976" indent="0">
+              <a:buNone/>
+              <a:defRPr sz="875">
                 <a:solidFill>
                   <a:schemeClr val="tx1">
                     <a:tint val="75000"/>
@@ -986,8 +990,8 @@
           <a:p>
             <a:pPr lvl="0"/>
             <a:r>
-              <a:rPr lang="en-US" smtClean="0"/>
-              <a:t>Click to edit Master text styles</a:t>
+              <a:rPr lang="en-US"/>
+              <a:t>Edit Master text styles</a:t>
             </a:r>
           </a:p>
         </p:txBody>
@@ -1009,7 +1013,7 @@
           <a:p>
             <a:fld id="{75E04F15-32A2-4668-895B-20B33078076B}" type="datetimeFigureOut">
               <a:rPr lang="en-US" smtClean="0"/>
-              <a:t>1/27/2017</a:t>
+              <a:t>11/7/2017</a:t>
             </a:fld>
             <a:endParaRPr lang="en-US"/>
           </a:p>
@@ -1060,7 +1064,7 @@
     </p:spTree>
     <p:extLst>
       <p:ext uri="{BB962C8B-B14F-4D97-AF65-F5344CB8AC3E}">
-        <p14:creationId xmlns:p14="http://schemas.microsoft.com/office/powerpoint/2010/main" val="3140116720"/>
+        <p14:creationId xmlns:p14="http://schemas.microsoft.com/office/powerpoint/2010/main" val="456694924"/>
       </p:ext>
     </p:extLst>
   </p:cSld>
@@ -1103,7 +1107,7 @@
           <a:lstStyle/>
           <a:p>
             <a:r>
-              <a:rPr lang="en-US" smtClean="0"/>
+              <a:rPr lang="en-US"/>
               <a:t>Click to edit Master title style</a:t>
             </a:r>
             <a:endParaRPr lang="en-US" dirty="0"/>
@@ -1122,8 +1126,8 @@
         </p:nvSpPr>
         <p:spPr>
           <a:xfrm>
-            <a:off x="634980" y="1557698"/>
-            <a:ext cx="3925332" cy="3712739"/>
+            <a:off x="634980" y="998178"/>
+            <a:ext cx="3925332" cy="2379134"/>
           </a:xfrm>
         </p:spPr>
         <p:txBody>
@@ -1132,35 +1136,35 @@
           <a:p>
             <a:pPr lvl="0"/>
             <a:r>
-              <a:rPr lang="en-US" smtClean="0"/>
-              <a:t>Click to edit Master text styles</a:t>
+              <a:rPr lang="en-US"/>
+              <a:t>Edit Master text styles</a:t>
             </a:r>
           </a:p>
           <a:p>
             <a:pPr lvl="1"/>
             <a:r>
-              <a:rPr lang="en-US" smtClean="0"/>
+              <a:rPr lang="en-US"/>
               <a:t>Second level</a:t>
             </a:r>
           </a:p>
           <a:p>
             <a:pPr lvl="2"/>
             <a:r>
-              <a:rPr lang="en-US" smtClean="0"/>
+              <a:rPr lang="en-US"/>
               <a:t>Third level</a:t>
             </a:r>
           </a:p>
           <a:p>
             <a:pPr lvl="3"/>
             <a:r>
-              <a:rPr lang="en-US" smtClean="0"/>
+              <a:rPr lang="en-US"/>
               <a:t>Fourth level</a:t>
             </a:r>
           </a:p>
           <a:p>
             <a:pPr lvl="4"/>
             <a:r>
-              <a:rPr lang="en-US" smtClean="0"/>
+              <a:rPr lang="en-US"/>
               <a:t>Fifth level</a:t>
             </a:r>
             <a:endParaRPr lang="en-US" dirty="0"/>
@@ -1179,8 +1183,8 @@
         </p:nvSpPr>
         <p:spPr>
           <a:xfrm>
-            <a:off x="4675763" y="1557698"/>
-            <a:ext cx="3925332" cy="3712739"/>
+            <a:off x="4675763" y="998178"/>
+            <a:ext cx="3925332" cy="2379134"/>
           </a:xfrm>
         </p:spPr>
         <p:txBody>
@@ -1189,35 +1193,35 @@
           <a:p>
             <a:pPr lvl="0"/>
             <a:r>
-              <a:rPr lang="en-US" smtClean="0"/>
-              <a:t>Click to edit Master text styles</a:t>
+              <a:rPr lang="en-US"/>
+              <a:t>Edit Master text styles</a:t>
             </a:r>
           </a:p>
           <a:p>
             <a:pPr lvl="1"/>
             <a:r>
-              <a:rPr lang="en-US" smtClean="0"/>
+              <a:rPr lang="en-US"/>
               <a:t>Second level</a:t>
             </a:r>
           </a:p>
           <a:p>
             <a:pPr lvl="2"/>
             <a:r>
-              <a:rPr lang="en-US" smtClean="0"/>
+              <a:rPr lang="en-US"/>
               <a:t>Third level</a:t>
             </a:r>
           </a:p>
           <a:p>
             <a:pPr lvl="3"/>
             <a:r>
-              <a:rPr lang="en-US" smtClean="0"/>
+              <a:rPr lang="en-US"/>
               <a:t>Fourth level</a:t>
             </a:r>
           </a:p>
           <a:p>
             <a:pPr lvl="4"/>
             <a:r>
-              <a:rPr lang="en-US" smtClean="0"/>
+              <a:rPr lang="en-US"/>
               <a:t>Fifth level</a:t>
             </a:r>
             <a:endParaRPr lang="en-US" dirty="0"/>
@@ -1241,7 +1245,7 @@
           <a:p>
             <a:fld id="{75E04F15-32A2-4668-895B-20B33078076B}" type="datetimeFigureOut">
               <a:rPr lang="en-US" smtClean="0"/>
-              <a:t>1/27/2017</a:t>
+              <a:t>11/7/2017</a:t>
             </a:fld>
             <a:endParaRPr lang="en-US"/>
           </a:p>
@@ -1292,7 +1296,7 @@
     </p:spTree>
     <p:extLst>
       <p:ext uri="{BB962C8B-B14F-4D97-AF65-F5344CB8AC3E}">
-        <p14:creationId xmlns:p14="http://schemas.microsoft.com/office/powerpoint/2010/main" val="3929756507"/>
+        <p14:creationId xmlns:p14="http://schemas.microsoft.com/office/powerpoint/2010/main" val="3821095856"/>
       </p:ext>
     </p:extLst>
   </p:cSld>
@@ -1331,8 +1335,8 @@
         </p:nvSpPr>
         <p:spPr>
           <a:xfrm>
-            <a:off x="636183" y="311540"/>
-            <a:ext cx="7966115" cy="1131024"/>
+            <a:off x="636183" y="199636"/>
+            <a:ext cx="7966115" cy="724764"/>
           </a:xfrm>
         </p:spPr>
         <p:txBody>
@@ -1340,7 +1344,7 @@
           <a:lstStyle/>
           <a:p>
             <a:r>
-              <a:rPr lang="en-US" smtClean="0"/>
+              <a:rPr lang="en-US"/>
               <a:t>Click to edit Master title style</a:t>
             </a:r>
             <a:endParaRPr lang="en-US" dirty="0"/>
@@ -1359,8 +1363,8 @@
         </p:nvSpPr>
         <p:spPr>
           <a:xfrm>
-            <a:off x="636184" y="1434437"/>
-            <a:ext cx="3907292" cy="702995"/>
+            <a:off x="636184" y="919191"/>
+            <a:ext cx="3907292" cy="450482"/>
           </a:xfrm>
         </p:spPr>
         <p:txBody>
@@ -1368,46 +1372,46 @@
           <a:lstStyle>
             <a:lvl1pPr marL="0" indent="0">
               <a:buNone/>
-              <a:defRPr sz="1818" b="1"/>
+              <a:defRPr sz="1312" b="1"/>
             </a:lvl1pPr>
-            <a:lvl2pPr marL="346375" indent="0">
-              <a:buNone/>
-              <a:defRPr sz="1515" b="1"/>
+            <a:lvl2pPr marL="249997" indent="0">
+              <a:buNone/>
+              <a:defRPr sz="1094" b="1"/>
             </a:lvl2pPr>
-            <a:lvl3pPr marL="692749" indent="0">
-              <a:buNone/>
-              <a:defRPr sz="1364" b="1"/>
+            <a:lvl3pPr marL="499994" indent="0">
+              <a:buNone/>
+              <a:defRPr sz="984" b="1"/>
             </a:lvl3pPr>
-            <a:lvl4pPr marL="1039124" indent="0">
-              <a:buNone/>
-              <a:defRPr sz="1212" b="1"/>
+            <a:lvl4pPr marL="749991" indent="0">
+              <a:buNone/>
+              <a:defRPr sz="875" b="1"/>
             </a:lvl4pPr>
-            <a:lvl5pPr marL="1385499" indent="0">
-              <a:buNone/>
-              <a:defRPr sz="1212" b="1"/>
+            <a:lvl5pPr marL="999988" indent="0">
+              <a:buNone/>
+              <a:defRPr sz="875" b="1"/>
             </a:lvl5pPr>
-            <a:lvl6pPr marL="1731874" indent="0">
-              <a:buNone/>
-              <a:defRPr sz="1212" b="1"/>
+            <a:lvl6pPr marL="1249985" indent="0">
+              <a:buNone/>
+              <a:defRPr sz="875" b="1"/>
             </a:lvl6pPr>
-            <a:lvl7pPr marL="2078248" indent="0">
-              <a:buNone/>
-              <a:defRPr sz="1212" b="1"/>
+            <a:lvl7pPr marL="1499982" indent="0">
+              <a:buNone/>
+              <a:defRPr sz="875" b="1"/>
             </a:lvl7pPr>
-            <a:lvl8pPr marL="2424623" indent="0">
-              <a:buNone/>
-              <a:defRPr sz="1212" b="1"/>
+            <a:lvl8pPr marL="1749979" indent="0">
+              <a:buNone/>
+              <a:defRPr sz="875" b="1"/>
             </a:lvl8pPr>
-            <a:lvl9pPr marL="2770998" indent="0">
-              <a:buNone/>
-              <a:defRPr sz="1212" b="1"/>
+            <a:lvl9pPr marL="1999976" indent="0">
+              <a:buNone/>
+              <a:defRPr sz="875" b="1"/>
             </a:lvl9pPr>
           </a:lstStyle>
           <a:p>
             <a:pPr lvl="0"/>
             <a:r>
-              <a:rPr lang="en-US" smtClean="0"/>
-              <a:t>Click to edit Master text styles</a:t>
+              <a:rPr lang="en-US"/>
+              <a:t>Edit Master text styles</a:t>
             </a:r>
           </a:p>
         </p:txBody>
@@ -1424,8 +1428,8 @@
         </p:nvSpPr>
         <p:spPr>
           <a:xfrm>
-            <a:off x="636184" y="2137432"/>
-            <a:ext cx="3907292" cy="3143841"/>
+            <a:off x="636184" y="1369673"/>
+            <a:ext cx="3907292" cy="2014583"/>
           </a:xfrm>
         </p:spPr>
         <p:txBody>
@@ -1434,35 +1438,35 @@
           <a:p>
             <a:pPr lvl="0"/>
             <a:r>
-              <a:rPr lang="en-US" smtClean="0"/>
-              <a:t>Click to edit Master text styles</a:t>
+              <a:rPr lang="en-US"/>
+              <a:t>Edit Master text styles</a:t>
             </a:r>
           </a:p>
           <a:p>
             <a:pPr lvl="1"/>
             <a:r>
-              <a:rPr lang="en-US" smtClean="0"/>
+              <a:rPr lang="en-US"/>
               <a:t>Second level</a:t>
             </a:r>
           </a:p>
           <a:p>
             <a:pPr lvl="2"/>
             <a:r>
-              <a:rPr lang="en-US" smtClean="0"/>
+              <a:rPr lang="en-US"/>
               <a:t>Third level</a:t>
             </a:r>
           </a:p>
           <a:p>
             <a:pPr lvl="3"/>
             <a:r>
-              <a:rPr lang="en-US" smtClean="0"/>
+              <a:rPr lang="en-US"/>
               <a:t>Fourth level</a:t>
             </a:r>
           </a:p>
           <a:p>
             <a:pPr lvl="4"/>
             <a:r>
-              <a:rPr lang="en-US" smtClean="0"/>
+              <a:rPr lang="en-US"/>
               <a:t>Fifth level</a:t>
             </a:r>
             <a:endParaRPr lang="en-US" dirty="0"/>
@@ -1481,8 +1485,8 @@
         </p:nvSpPr>
         <p:spPr>
           <a:xfrm>
-            <a:off x="4675763" y="1434437"/>
-            <a:ext cx="3926535" cy="702995"/>
+            <a:off x="4675763" y="919191"/>
+            <a:ext cx="3926535" cy="450482"/>
           </a:xfrm>
         </p:spPr>
         <p:txBody>
@@ -1490,46 +1494,46 @@
           <a:lstStyle>
             <a:lvl1pPr marL="0" indent="0">
               <a:buNone/>
-              <a:defRPr sz="1818" b="1"/>
+              <a:defRPr sz="1312" b="1"/>
             </a:lvl1pPr>
-            <a:lvl2pPr marL="346375" indent="0">
-              <a:buNone/>
-              <a:defRPr sz="1515" b="1"/>
+            <a:lvl2pPr marL="249997" indent="0">
+              <a:buNone/>
+              <a:defRPr sz="1094" b="1"/>
             </a:lvl2pPr>
-            <a:lvl3pPr marL="692749" indent="0">
-              <a:buNone/>
-              <a:defRPr sz="1364" b="1"/>
+            <a:lvl3pPr marL="499994" indent="0">
+              <a:buNone/>
+              <a:defRPr sz="984" b="1"/>
             </a:lvl3pPr>
-            <a:lvl4pPr marL="1039124" indent="0">
-              <a:buNone/>
-              <a:defRPr sz="1212" b="1"/>
+            <a:lvl4pPr marL="749991" indent="0">
+              <a:buNone/>
+              <a:defRPr sz="875" b="1"/>
             </a:lvl4pPr>
-            <a:lvl5pPr marL="1385499" indent="0">
-              <a:buNone/>
-              <a:defRPr sz="1212" b="1"/>
+            <a:lvl5pPr marL="999988" indent="0">
+              <a:buNone/>
+              <a:defRPr sz="875" b="1"/>
             </a:lvl5pPr>
-            <a:lvl6pPr marL="1731874" indent="0">
-              <a:buNone/>
-              <a:defRPr sz="1212" b="1"/>
+            <a:lvl6pPr marL="1249985" indent="0">
+              <a:buNone/>
+              <a:defRPr sz="875" b="1"/>
             </a:lvl6pPr>
-            <a:lvl7pPr marL="2078248" indent="0">
-              <a:buNone/>
-              <a:defRPr sz="1212" b="1"/>
+            <a:lvl7pPr marL="1499982" indent="0">
+              <a:buNone/>
+              <a:defRPr sz="875" b="1"/>
             </a:lvl7pPr>
-            <a:lvl8pPr marL="2424623" indent="0">
-              <a:buNone/>
-              <a:defRPr sz="1212" b="1"/>
+            <a:lvl8pPr marL="1749979" indent="0">
+              <a:buNone/>
+              <a:defRPr sz="875" b="1"/>
             </a:lvl8pPr>
-            <a:lvl9pPr marL="2770998" indent="0">
-              <a:buNone/>
-              <a:defRPr sz="1212" b="1"/>
+            <a:lvl9pPr marL="1999976" indent="0">
+              <a:buNone/>
+              <a:defRPr sz="875" b="1"/>
             </a:lvl9pPr>
           </a:lstStyle>
           <a:p>
             <a:pPr lvl="0"/>
             <a:r>
-              <a:rPr lang="en-US" smtClean="0"/>
-              <a:t>Click to edit Master text styles</a:t>
+              <a:rPr lang="en-US"/>
+              <a:t>Edit Master text styles</a:t>
             </a:r>
           </a:p>
         </p:txBody>
@@ -1546,8 +1550,8 @@
         </p:nvSpPr>
         <p:spPr>
           <a:xfrm>
-            <a:off x="4675763" y="2137432"/>
-            <a:ext cx="3926535" cy="3143841"/>
+            <a:off x="4675763" y="1369673"/>
+            <a:ext cx="3926535" cy="2014583"/>
           </a:xfrm>
         </p:spPr>
         <p:txBody>
@@ -1556,35 +1560,35 @@
           <a:p>
             <a:pPr lvl="0"/>
             <a:r>
-              <a:rPr lang="en-US" smtClean="0"/>
-              <a:t>Click to edit Master text styles</a:t>
+              <a:rPr lang="en-US"/>
+              <a:t>Edit Master text styles</a:t>
             </a:r>
           </a:p>
           <a:p>
             <a:pPr lvl="1"/>
             <a:r>
-              <a:rPr lang="en-US" smtClean="0"/>
+              <a:rPr lang="en-US"/>
               <a:t>Second level</a:t>
             </a:r>
           </a:p>
           <a:p>
             <a:pPr lvl="2"/>
             <a:r>
-              <a:rPr lang="en-US" smtClean="0"/>
+              <a:rPr lang="en-US"/>
               <a:t>Third level</a:t>
             </a:r>
           </a:p>
           <a:p>
             <a:pPr lvl="3"/>
             <a:r>
-              <a:rPr lang="en-US" smtClean="0"/>
+              <a:rPr lang="en-US"/>
               <a:t>Fourth level</a:t>
             </a:r>
           </a:p>
           <a:p>
             <a:pPr lvl="4"/>
             <a:r>
-              <a:rPr lang="en-US" smtClean="0"/>
+              <a:rPr lang="en-US"/>
               <a:t>Fifth level</a:t>
             </a:r>
             <a:endParaRPr lang="en-US" dirty="0"/>
@@ -1608,7 +1612,7 @@
           <a:p>
             <a:fld id="{75E04F15-32A2-4668-895B-20B33078076B}" type="datetimeFigureOut">
               <a:rPr lang="en-US" smtClean="0"/>
-              <a:t>1/27/2017</a:t>
+              <a:t>11/7/2017</a:t>
             </a:fld>
             <a:endParaRPr lang="en-US"/>
           </a:p>
@@ -1659,7 +1663,7 @@
     </p:spTree>
     <p:extLst>
       <p:ext uri="{BB962C8B-B14F-4D97-AF65-F5344CB8AC3E}">
-        <p14:creationId xmlns:p14="http://schemas.microsoft.com/office/powerpoint/2010/main" val="4110024705"/>
+        <p14:creationId xmlns:p14="http://schemas.microsoft.com/office/powerpoint/2010/main" val="3563190745"/>
       </p:ext>
     </p:extLst>
   </p:cSld>
@@ -1702,7 +1706,7 @@
           <a:lstStyle/>
           <a:p>
             <a:r>
-              <a:rPr lang="en-US" smtClean="0"/>
+              <a:rPr lang="en-US"/>
               <a:t>Click to edit Master title style</a:t>
             </a:r>
             <a:endParaRPr lang="en-US" dirty="0"/>
@@ -1726,7 +1730,7 @@
           <a:p>
             <a:fld id="{75E04F15-32A2-4668-895B-20B33078076B}" type="datetimeFigureOut">
               <a:rPr lang="en-US" smtClean="0"/>
-              <a:t>1/27/2017</a:t>
+              <a:t>11/7/2017</a:t>
             </a:fld>
             <a:endParaRPr lang="en-US"/>
           </a:p>
@@ -1777,7 +1781,7 @@
     </p:spTree>
     <p:extLst>
       <p:ext uri="{BB962C8B-B14F-4D97-AF65-F5344CB8AC3E}">
-        <p14:creationId xmlns:p14="http://schemas.microsoft.com/office/powerpoint/2010/main" val="2747566774"/>
+        <p14:creationId xmlns:p14="http://schemas.microsoft.com/office/powerpoint/2010/main" val="3682174965"/>
       </p:ext>
     </p:extLst>
   </p:cSld>
@@ -1821,7 +1825,7 @@
           <a:p>
             <a:fld id="{75E04F15-32A2-4668-895B-20B33078076B}" type="datetimeFigureOut">
               <a:rPr lang="en-US" smtClean="0"/>
-              <a:t>1/27/2017</a:t>
+              <a:t>11/7/2017</a:t>
             </a:fld>
             <a:endParaRPr lang="en-US"/>
           </a:p>
@@ -1872,7 +1876,7 @@
     </p:spTree>
     <p:extLst>
       <p:ext uri="{BB962C8B-B14F-4D97-AF65-F5344CB8AC3E}">
-        <p14:creationId xmlns:p14="http://schemas.microsoft.com/office/powerpoint/2010/main" val="1055139050"/>
+        <p14:creationId xmlns:p14="http://schemas.microsoft.com/office/powerpoint/2010/main" val="3082187933"/>
       </p:ext>
     </p:extLst>
   </p:cSld>
@@ -1911,20 +1915,20 @@
         </p:nvSpPr>
         <p:spPr>
           <a:xfrm>
-            <a:off x="636184" y="390102"/>
-            <a:ext cx="2978874" cy="1365356"/>
+            <a:off x="636184" y="249978"/>
+            <a:ext cx="2978874" cy="874924"/>
           </a:xfrm>
         </p:spPr>
         <p:txBody>
           <a:bodyPr anchor="b"/>
           <a:lstStyle>
             <a:lvl1pPr>
-              <a:defRPr sz="2424"/>
+              <a:defRPr sz="1750"/>
             </a:lvl1pPr>
           </a:lstStyle>
           <a:p>
             <a:r>
-              <a:rPr lang="en-US" smtClean="0"/>
+              <a:rPr lang="en-US"/>
               <a:t>Click to edit Master title style</a:t>
             </a:r>
             <a:endParaRPr lang="en-US" dirty="0"/>
@@ -1943,73 +1947,73 @@
         </p:nvSpPr>
         <p:spPr>
           <a:xfrm>
-            <a:off x="3926535" y="842512"/>
-            <a:ext cx="4675763" cy="4158375"/>
+            <a:off x="3926535" y="539884"/>
+            <a:ext cx="4675763" cy="2664700"/>
           </a:xfrm>
         </p:spPr>
         <p:txBody>
           <a:bodyPr/>
           <a:lstStyle>
             <a:lvl1pPr>
-              <a:defRPr sz="2424"/>
+              <a:defRPr sz="1750"/>
             </a:lvl1pPr>
             <a:lvl2pPr>
-              <a:defRPr sz="2121"/>
+              <a:defRPr sz="1531"/>
             </a:lvl2pPr>
             <a:lvl3pPr>
-              <a:defRPr sz="1818"/>
+              <a:defRPr sz="1312"/>
             </a:lvl3pPr>
             <a:lvl4pPr>
-              <a:defRPr sz="1515"/>
+              <a:defRPr sz="1094"/>
             </a:lvl4pPr>
             <a:lvl5pPr>
-              <a:defRPr sz="1515"/>
+              <a:defRPr sz="1094"/>
             </a:lvl5pPr>
             <a:lvl6pPr>
-              <a:defRPr sz="1515"/>
+              <a:defRPr sz="1094"/>
             </a:lvl6pPr>
             <a:lvl7pPr>
-              <a:defRPr sz="1515"/>
+              <a:defRPr sz="1094"/>
             </a:lvl7pPr>
             <a:lvl8pPr>
-              <a:defRPr sz="1515"/>
+              <a:defRPr sz="1094"/>
             </a:lvl8pPr>
             <a:lvl9pPr>
-              <a:defRPr sz="1515"/>
+              <a:defRPr sz="1094"/>
             </a:lvl9pPr>
           </a:lstStyle>
           <a:p>
             <a:pPr lvl="0"/>
             <a:r>
-              <a:rPr lang="en-US" smtClean="0"/>
-              <a:t>Click to edit Master text styles</a:t>
+              <a:rPr lang="en-US"/>
+              <a:t>Edit Master text styles</a:t>
             </a:r>
           </a:p>
           <a:p>
             <a:pPr lvl="1"/>
             <a:r>
-              <a:rPr lang="en-US" smtClean="0"/>
+              <a:rPr lang="en-US"/>
               <a:t>Second level</a:t>
             </a:r>
           </a:p>
           <a:p>
             <a:pPr lvl="2"/>
             <a:r>
-              <a:rPr lang="en-US" smtClean="0"/>
+              <a:rPr lang="en-US"/>
               <a:t>Third level</a:t>
             </a:r>
           </a:p>
           <a:p>
             <a:pPr lvl="3"/>
             <a:r>
-              <a:rPr lang="en-US" smtClean="0"/>
+              <a:rPr lang="en-US"/>
               <a:t>Fourth level</a:t>
             </a:r>
           </a:p>
           <a:p>
             <a:pPr lvl="4"/>
             <a:r>
-              <a:rPr lang="en-US" smtClean="0"/>
+              <a:rPr lang="en-US"/>
               <a:t>Fifth level</a:t>
             </a:r>
             <a:endParaRPr lang="en-US" dirty="0"/>
@@ -2028,8 +2032,8 @@
         </p:nvSpPr>
         <p:spPr>
           <a:xfrm>
-            <a:off x="636184" y="1755458"/>
-            <a:ext cx="2978874" cy="3252202"/>
+            <a:off x="636184" y="1124903"/>
+            <a:ext cx="2978874" cy="2084021"/>
           </a:xfrm>
         </p:spPr>
         <p:txBody>
@@ -2037,46 +2041,46 @@
           <a:lstStyle>
             <a:lvl1pPr marL="0" indent="0">
               <a:buNone/>
-              <a:defRPr sz="1212"/>
+              <a:defRPr sz="875"/>
             </a:lvl1pPr>
-            <a:lvl2pPr marL="346375" indent="0">
-              <a:buNone/>
-              <a:defRPr sz="1061"/>
+            <a:lvl2pPr marL="249997" indent="0">
+              <a:buNone/>
+              <a:defRPr sz="766"/>
             </a:lvl2pPr>
-            <a:lvl3pPr marL="692749" indent="0">
-              <a:buNone/>
-              <a:defRPr sz="909"/>
+            <a:lvl3pPr marL="499994" indent="0">
+              <a:buNone/>
+              <a:defRPr sz="656"/>
             </a:lvl3pPr>
-            <a:lvl4pPr marL="1039124" indent="0">
-              <a:buNone/>
-              <a:defRPr sz="758"/>
+            <a:lvl4pPr marL="749991" indent="0">
+              <a:buNone/>
+              <a:defRPr sz="547"/>
             </a:lvl4pPr>
-            <a:lvl5pPr marL="1385499" indent="0">
-              <a:buNone/>
-              <a:defRPr sz="758"/>
+            <a:lvl5pPr marL="999988" indent="0">
+              <a:buNone/>
+              <a:defRPr sz="547"/>
             </a:lvl5pPr>
-            <a:lvl6pPr marL="1731874" indent="0">
-              <a:buNone/>
-              <a:defRPr sz="758"/>
+            <a:lvl6pPr marL="1249985" indent="0">
+              <a:buNone/>
+              <a:defRPr sz="547"/>
             </a:lvl6pPr>
-            <a:lvl7pPr marL="2078248" indent="0">
-              <a:buNone/>
-              <a:defRPr sz="758"/>
+            <a:lvl7pPr marL="1499982" indent="0">
+              <a:buNone/>
+              <a:defRPr sz="547"/>
             </a:lvl7pPr>
-            <a:lvl8pPr marL="2424623" indent="0">
-              <a:buNone/>
-              <a:defRPr sz="758"/>
+            <a:lvl8pPr marL="1749979" indent="0">
+              <a:buNone/>
+              <a:defRPr sz="547"/>
             </a:lvl8pPr>
-            <a:lvl9pPr marL="2770998" indent="0">
-              <a:buNone/>
-              <a:defRPr sz="758"/>
+            <a:lvl9pPr marL="1999976" indent="0">
+              <a:buNone/>
+              <a:defRPr sz="547"/>
             </a:lvl9pPr>
           </a:lstStyle>
           <a:p>
             <a:pPr lvl="0"/>
             <a:r>
-              <a:rPr lang="en-US" smtClean="0"/>
-              <a:t>Click to edit Master text styles</a:t>
+              <a:rPr lang="en-US"/>
+              <a:t>Edit Master text styles</a:t>
             </a:r>
           </a:p>
         </p:txBody>
@@ -2098,7 +2102,7 @@
           <a:p>
             <a:fld id="{75E04F15-32A2-4668-895B-20B33078076B}" type="datetimeFigureOut">
               <a:rPr lang="en-US" smtClean="0"/>
-              <a:t>1/27/2017</a:t>
+              <a:t>11/7/2017</a:t>
             </a:fld>
             <a:endParaRPr lang="en-US"/>
           </a:p>
@@ -2149,7 +2153,7 @@
     </p:spTree>
     <p:extLst>
       <p:ext uri="{BB962C8B-B14F-4D97-AF65-F5344CB8AC3E}">
-        <p14:creationId xmlns:p14="http://schemas.microsoft.com/office/powerpoint/2010/main" val="1778067675"/>
+        <p14:creationId xmlns:p14="http://schemas.microsoft.com/office/powerpoint/2010/main" val="83809876"/>
       </p:ext>
     </p:extLst>
   </p:cSld>
@@ -2188,20 +2192,20 @@
         </p:nvSpPr>
         <p:spPr>
           <a:xfrm>
-            <a:off x="636184" y="390102"/>
-            <a:ext cx="2978874" cy="1365356"/>
+            <a:off x="636184" y="249978"/>
+            <a:ext cx="2978874" cy="874924"/>
           </a:xfrm>
         </p:spPr>
         <p:txBody>
           <a:bodyPr anchor="b"/>
           <a:lstStyle>
             <a:lvl1pPr>
-              <a:defRPr sz="2424"/>
+              <a:defRPr sz="1750"/>
             </a:lvl1pPr>
           </a:lstStyle>
           <a:p>
             <a:r>
-              <a:rPr lang="en-US" smtClean="0"/>
+              <a:rPr lang="en-US"/>
               <a:t>Click to edit Master title style</a:t>
             </a:r>
             <a:endParaRPr lang="en-US" dirty="0"/>
@@ -2220,8 +2224,8 @@
         </p:nvSpPr>
         <p:spPr>
           <a:xfrm>
-            <a:off x="3926535" y="842512"/>
-            <a:ext cx="4675763" cy="4158375"/>
+            <a:off x="3926535" y="539884"/>
+            <a:ext cx="4675763" cy="2664700"/>
           </a:xfrm>
         </p:spPr>
         <p:txBody>
@@ -2229,44 +2233,44 @@
           <a:lstStyle>
             <a:lvl1pPr marL="0" indent="0">
               <a:buNone/>
-              <a:defRPr sz="2424"/>
+              <a:defRPr sz="1750"/>
             </a:lvl1pPr>
-            <a:lvl2pPr marL="346375" indent="0">
-              <a:buNone/>
-              <a:defRPr sz="2121"/>
+            <a:lvl2pPr marL="249997" indent="0">
+              <a:buNone/>
+              <a:defRPr sz="1531"/>
             </a:lvl2pPr>
-            <a:lvl3pPr marL="692749" indent="0">
-              <a:buNone/>
-              <a:defRPr sz="1818"/>
+            <a:lvl3pPr marL="499994" indent="0">
+              <a:buNone/>
+              <a:defRPr sz="1312"/>
             </a:lvl3pPr>
-            <a:lvl4pPr marL="1039124" indent="0">
-              <a:buNone/>
-              <a:defRPr sz="1515"/>
+            <a:lvl4pPr marL="749991" indent="0">
+              <a:buNone/>
+              <a:defRPr sz="1094"/>
             </a:lvl4pPr>
-            <a:lvl5pPr marL="1385499" indent="0">
-              <a:buNone/>
-              <a:defRPr sz="1515"/>
+            <a:lvl5pPr marL="999988" indent="0">
+              <a:buNone/>
+              <a:defRPr sz="1094"/>
             </a:lvl5pPr>
-            <a:lvl6pPr marL="1731874" indent="0">
-              <a:buNone/>
-              <a:defRPr sz="1515"/>
+            <a:lvl6pPr marL="1249985" indent="0">
+              <a:buNone/>
+              <a:defRPr sz="1094"/>
             </a:lvl6pPr>
-            <a:lvl7pPr marL="2078248" indent="0">
-              <a:buNone/>
-              <a:defRPr sz="1515"/>
+            <a:lvl7pPr marL="1499982" indent="0">
+              <a:buNone/>
+              <a:defRPr sz="1094"/>
             </a:lvl7pPr>
-            <a:lvl8pPr marL="2424623" indent="0">
-              <a:buNone/>
-              <a:defRPr sz="1515"/>
+            <a:lvl8pPr marL="1749979" indent="0">
+              <a:buNone/>
+              <a:defRPr sz="1094"/>
             </a:lvl8pPr>
-            <a:lvl9pPr marL="2770998" indent="0">
-              <a:buNone/>
-              <a:defRPr sz="1515"/>
+            <a:lvl9pPr marL="1999976" indent="0">
+              <a:buNone/>
+              <a:defRPr sz="1094"/>
             </a:lvl9pPr>
           </a:lstStyle>
           <a:p>
             <a:r>
-              <a:rPr lang="en-US" smtClean="0"/>
+              <a:rPr lang="en-US"/>
               <a:t>Click icon to add picture</a:t>
             </a:r>
             <a:endParaRPr lang="en-US" dirty="0"/>
@@ -2285,8 +2289,8 @@
         </p:nvSpPr>
         <p:spPr>
           <a:xfrm>
-            <a:off x="636184" y="1755458"/>
-            <a:ext cx="2978874" cy="3252202"/>
+            <a:off x="636184" y="1124903"/>
+            <a:ext cx="2978874" cy="2084021"/>
           </a:xfrm>
         </p:spPr>
         <p:txBody>
@@ -2294,46 +2298,46 @@
           <a:lstStyle>
             <a:lvl1pPr marL="0" indent="0">
               <a:buNone/>
-              <a:defRPr sz="1212"/>
+              <a:defRPr sz="875"/>
             </a:lvl1pPr>
-            <a:lvl2pPr marL="346375" indent="0">
-              <a:buNone/>
-              <a:defRPr sz="1061"/>
+            <a:lvl2pPr marL="249997" indent="0">
+              <a:buNone/>
+              <a:defRPr sz="766"/>
             </a:lvl2pPr>
-            <a:lvl3pPr marL="692749" indent="0">
-              <a:buNone/>
-              <a:defRPr sz="909"/>
+            <a:lvl3pPr marL="499994" indent="0">
+              <a:buNone/>
+              <a:defRPr sz="656"/>
             </a:lvl3pPr>
-            <a:lvl4pPr marL="1039124" indent="0">
-              <a:buNone/>
-              <a:defRPr sz="758"/>
+            <a:lvl4pPr marL="749991" indent="0">
+              <a:buNone/>
+              <a:defRPr sz="547"/>
             </a:lvl4pPr>
-            <a:lvl5pPr marL="1385499" indent="0">
-              <a:buNone/>
-              <a:defRPr sz="758"/>
+            <a:lvl5pPr marL="999988" indent="0">
+              <a:buNone/>
+              <a:defRPr sz="547"/>
             </a:lvl5pPr>
-            <a:lvl6pPr marL="1731874" indent="0">
-              <a:buNone/>
-              <a:defRPr sz="758"/>
+            <a:lvl6pPr marL="1249985" indent="0">
+              <a:buNone/>
+              <a:defRPr sz="547"/>
             </a:lvl6pPr>
-            <a:lvl7pPr marL="2078248" indent="0">
-              <a:buNone/>
-              <a:defRPr sz="758"/>
+            <a:lvl7pPr marL="1499982" indent="0">
+              <a:buNone/>
+              <a:defRPr sz="547"/>
             </a:lvl7pPr>
-            <a:lvl8pPr marL="2424623" indent="0">
-              <a:buNone/>
-              <a:defRPr sz="758"/>
+            <a:lvl8pPr marL="1749979" indent="0">
+              <a:buNone/>
+              <a:defRPr sz="547"/>
             </a:lvl8pPr>
-            <a:lvl9pPr marL="2770998" indent="0">
-              <a:buNone/>
-              <a:defRPr sz="758"/>
+            <a:lvl9pPr marL="1999976" indent="0">
+              <a:buNone/>
+              <a:defRPr sz="547"/>
             </a:lvl9pPr>
           </a:lstStyle>
           <a:p>
             <a:pPr lvl="0"/>
             <a:r>
-              <a:rPr lang="en-US" smtClean="0"/>
-              <a:t>Click to edit Master text styles</a:t>
+              <a:rPr lang="en-US"/>
+              <a:t>Edit Master text styles</a:t>
             </a:r>
           </a:p>
         </p:txBody>
@@ -2355,7 +2359,7 @@
           <a:p>
             <a:fld id="{75E04F15-32A2-4668-895B-20B33078076B}" type="datetimeFigureOut">
               <a:rPr lang="en-US" smtClean="0"/>
-              <a:t>1/27/2017</a:t>
+              <a:t>11/7/2017</a:t>
             </a:fld>
             <a:endParaRPr lang="en-US"/>
           </a:p>
@@ -2406,7 +2410,7 @@
     </p:spTree>
     <p:extLst>
       <p:ext uri="{BB962C8B-B14F-4D97-AF65-F5344CB8AC3E}">
-        <p14:creationId xmlns:p14="http://schemas.microsoft.com/office/powerpoint/2010/main" val="3008342289"/>
+        <p14:creationId xmlns:p14="http://schemas.microsoft.com/office/powerpoint/2010/main" val="1541175523"/>
       </p:ext>
     </p:extLst>
   </p:cSld>
@@ -2450,8 +2454,8 @@
         </p:nvSpPr>
         <p:spPr>
           <a:xfrm>
-            <a:off x="634980" y="311540"/>
-            <a:ext cx="7966115" cy="1131024"/>
+            <a:off x="634980" y="199636"/>
+            <a:ext cx="7966115" cy="724764"/>
           </a:xfrm>
           <a:prstGeom prst="rect">
             <a:avLst/>
@@ -2464,7 +2468,7 @@
           <a:lstStyle/>
           <a:p>
             <a:r>
-              <a:rPr lang="en-US" smtClean="0"/>
+              <a:rPr lang="en-US"/>
               <a:t>Click to edit Master title style</a:t>
             </a:r>
             <a:endParaRPr lang="en-US" dirty="0"/>
@@ -2483,8 +2487,8 @@
         </p:nvSpPr>
         <p:spPr>
           <a:xfrm>
-            <a:off x="634980" y="1557698"/>
-            <a:ext cx="7966115" cy="3712739"/>
+            <a:off x="634980" y="998178"/>
+            <a:ext cx="7966115" cy="2379134"/>
           </a:xfrm>
           <a:prstGeom prst="rect">
             <a:avLst/>
@@ -2498,35 +2502,35 @@
           <a:p>
             <a:pPr lvl="0"/>
             <a:r>
-              <a:rPr lang="en-US" smtClean="0"/>
-              <a:t>Click to edit Master text styles</a:t>
+              <a:rPr lang="en-US"/>
+              <a:t>Edit Master text styles</a:t>
             </a:r>
           </a:p>
           <a:p>
             <a:pPr lvl="1"/>
             <a:r>
-              <a:rPr lang="en-US" smtClean="0"/>
+              <a:rPr lang="en-US"/>
               <a:t>Second level</a:t>
             </a:r>
           </a:p>
           <a:p>
             <a:pPr lvl="2"/>
             <a:r>
-              <a:rPr lang="en-US" smtClean="0"/>
+              <a:rPr lang="en-US"/>
               <a:t>Third level</a:t>
             </a:r>
           </a:p>
           <a:p>
             <a:pPr lvl="3"/>
             <a:r>
-              <a:rPr lang="en-US" smtClean="0"/>
+              <a:rPr lang="en-US"/>
               <a:t>Fourth level</a:t>
             </a:r>
           </a:p>
           <a:p>
             <a:pPr lvl="4"/>
             <a:r>
-              <a:rPr lang="en-US" smtClean="0"/>
+              <a:rPr lang="en-US"/>
               <a:t>Fifth level</a:t>
             </a:r>
             <a:endParaRPr lang="en-US" dirty="0"/>
@@ -2545,8 +2549,8 @@
         </p:nvSpPr>
         <p:spPr>
           <a:xfrm>
-            <a:off x="634980" y="5423497"/>
-            <a:ext cx="2078117" cy="311540"/>
+            <a:off x="634980" y="3475394"/>
+            <a:ext cx="2078117" cy="199635"/>
           </a:xfrm>
           <a:prstGeom prst="rect">
             <a:avLst/>
@@ -2556,7 +2560,7 @@
           <a:bodyPr vert="horz" lIns="91440" tIns="45720" rIns="91440" bIns="45720" rtlCol="0" anchor="ctr"/>
           <a:lstStyle>
             <a:lvl1pPr algn="l">
-              <a:defRPr sz="909">
+              <a:defRPr sz="656">
                 <a:solidFill>
                   <a:schemeClr val="tx1">
                     <a:tint val="75000"/>
@@ -2568,7 +2572,7 @@
           <a:p>
             <a:fld id="{75E04F15-32A2-4668-895B-20B33078076B}" type="datetimeFigureOut">
               <a:rPr lang="en-US" smtClean="0"/>
-              <a:t>1/27/2017</a:t>
+              <a:t>11/7/2017</a:t>
             </a:fld>
             <a:endParaRPr lang="en-US"/>
           </a:p>
@@ -2586,8 +2590,8 @@
         </p:nvSpPr>
         <p:spPr>
           <a:xfrm>
-            <a:off x="3059450" y="5423497"/>
-            <a:ext cx="3117175" cy="311540"/>
+            <a:off x="3059450" y="3475394"/>
+            <a:ext cx="3117175" cy="199635"/>
           </a:xfrm>
           <a:prstGeom prst="rect">
             <a:avLst/>
@@ -2597,7 +2601,7 @@
           <a:bodyPr vert="horz" lIns="91440" tIns="45720" rIns="91440" bIns="45720" rtlCol="0" anchor="ctr"/>
           <a:lstStyle>
             <a:lvl1pPr algn="ctr">
-              <a:defRPr sz="909">
+              <a:defRPr sz="656">
                 <a:solidFill>
                   <a:schemeClr val="tx1">
                     <a:tint val="75000"/>
@@ -2623,8 +2627,8 @@
         </p:nvSpPr>
         <p:spPr>
           <a:xfrm>
-            <a:off x="6522978" y="5423497"/>
-            <a:ext cx="2078117" cy="311540"/>
+            <a:off x="6522978" y="3475394"/>
+            <a:ext cx="2078117" cy="199635"/>
           </a:xfrm>
           <a:prstGeom prst="rect">
             <a:avLst/>
@@ -2634,7 +2638,7 @@
           <a:bodyPr vert="horz" lIns="91440" tIns="45720" rIns="91440" bIns="45720" rtlCol="0" anchor="ctr"/>
           <a:lstStyle>
             <a:lvl1pPr algn="r">
-              <a:defRPr sz="909">
+              <a:defRPr sz="656">
                 <a:solidFill>
                   <a:schemeClr val="tx1">
                     <a:tint val="75000"/>
@@ -2655,27 +2659,27 @@
     </p:spTree>
     <p:extLst>
       <p:ext uri="{BB962C8B-B14F-4D97-AF65-F5344CB8AC3E}">
-        <p14:creationId xmlns:p14="http://schemas.microsoft.com/office/powerpoint/2010/main" val="3193323640"/>
+        <p14:creationId xmlns:p14="http://schemas.microsoft.com/office/powerpoint/2010/main" val="4246118431"/>
       </p:ext>
     </p:extLst>
   </p:cSld>
   <p:clrMap bg1="lt1" tx1="dk1" bg2="lt2" tx2="dk2" accent1="accent1" accent2="accent2" accent3="accent3" accent4="accent4" accent5="accent5" accent6="accent6" hlink="hlink" folHlink="folHlink"/>
   <p:sldLayoutIdLst>
-    <p:sldLayoutId id="2147483673" r:id="rId1"/>
-    <p:sldLayoutId id="2147483674" r:id="rId2"/>
-    <p:sldLayoutId id="2147483675" r:id="rId3"/>
-    <p:sldLayoutId id="2147483676" r:id="rId4"/>
-    <p:sldLayoutId id="2147483677" r:id="rId5"/>
-    <p:sldLayoutId id="2147483678" r:id="rId6"/>
-    <p:sldLayoutId id="2147483679" r:id="rId7"/>
-    <p:sldLayoutId id="2147483680" r:id="rId8"/>
-    <p:sldLayoutId id="2147483681" r:id="rId9"/>
-    <p:sldLayoutId id="2147483682" r:id="rId10"/>
-    <p:sldLayoutId id="2147483683" r:id="rId11"/>
+    <p:sldLayoutId id="2147483697" r:id="rId1"/>
+    <p:sldLayoutId id="2147483698" r:id="rId2"/>
+    <p:sldLayoutId id="2147483699" r:id="rId3"/>
+    <p:sldLayoutId id="2147483700" r:id="rId4"/>
+    <p:sldLayoutId id="2147483701" r:id="rId5"/>
+    <p:sldLayoutId id="2147483702" r:id="rId6"/>
+    <p:sldLayoutId id="2147483703" r:id="rId7"/>
+    <p:sldLayoutId id="2147483704" r:id="rId8"/>
+    <p:sldLayoutId id="2147483705" r:id="rId9"/>
+    <p:sldLayoutId id="2147483706" r:id="rId10"/>
+    <p:sldLayoutId id="2147483707" r:id="rId11"/>
   </p:sldLayoutIdLst>
   <p:txStyles>
     <p:titleStyle>
-      <a:lvl1pPr algn="l" defTabSz="692749" rtl="0" eaLnBrk="1" latinLnBrk="0" hangingPunct="1">
+      <a:lvl1pPr algn="l" defTabSz="499994" rtl="0" eaLnBrk="1" latinLnBrk="0" hangingPunct="1">
         <a:lnSpc>
           <a:spcPct val="90000"/>
         </a:lnSpc>
@@ -2683,7 +2687,7 @@
           <a:spcPct val="0"/>
         </a:spcBef>
         <a:buNone/>
-        <a:defRPr sz="3333" kern="1200">
+        <a:defRPr sz="2406" kern="1200">
           <a:solidFill>
             <a:schemeClr val="tx1"/>
           </a:solidFill>
@@ -2694,16 +2698,16 @@
       </a:lvl1pPr>
     </p:titleStyle>
     <p:bodyStyle>
-      <a:lvl1pPr marL="173187" indent="-173187" algn="l" defTabSz="692749" rtl="0" eaLnBrk="1" latinLnBrk="0" hangingPunct="1">
+      <a:lvl1pPr marL="124998" indent="-124998" algn="l" defTabSz="499994" rtl="0" eaLnBrk="1" latinLnBrk="0" hangingPunct="1">
         <a:lnSpc>
           <a:spcPct val="90000"/>
         </a:lnSpc>
         <a:spcBef>
-          <a:spcPts val="758"/>
+          <a:spcPts val="547"/>
         </a:spcBef>
         <a:buFont typeface="Arial" panose="020B0604020202020204" pitchFamily="34" charset="0"/>
         <a:buChar char="•"/>
-        <a:defRPr sz="2121" kern="1200">
+        <a:defRPr sz="1531" kern="1200">
           <a:solidFill>
             <a:schemeClr val="tx1"/>
           </a:solidFill>
@@ -2712,16 +2716,16 @@
           <a:cs typeface="+mn-cs"/>
         </a:defRPr>
       </a:lvl1pPr>
-      <a:lvl2pPr marL="519562" indent="-173187" algn="l" defTabSz="692749" rtl="0" eaLnBrk="1" latinLnBrk="0" hangingPunct="1">
+      <a:lvl2pPr marL="374995" indent="-124998" algn="l" defTabSz="499994" rtl="0" eaLnBrk="1" latinLnBrk="0" hangingPunct="1">
         <a:lnSpc>
           <a:spcPct val="90000"/>
         </a:lnSpc>
         <a:spcBef>
-          <a:spcPts val="379"/>
+          <a:spcPts val="273"/>
         </a:spcBef>
         <a:buFont typeface="Arial" panose="020B0604020202020204" pitchFamily="34" charset="0"/>
         <a:buChar char="•"/>
-        <a:defRPr sz="1818" kern="1200">
+        <a:defRPr sz="1312" kern="1200">
           <a:solidFill>
             <a:schemeClr val="tx1"/>
           </a:solidFill>
@@ -2730,16 +2734,16 @@
           <a:cs typeface="+mn-cs"/>
         </a:defRPr>
       </a:lvl2pPr>
-      <a:lvl3pPr marL="865937" indent="-173187" algn="l" defTabSz="692749" rtl="0" eaLnBrk="1" latinLnBrk="0" hangingPunct="1">
+      <a:lvl3pPr marL="624992" indent="-124998" algn="l" defTabSz="499994" rtl="0" eaLnBrk="1" latinLnBrk="0" hangingPunct="1">
         <a:lnSpc>
           <a:spcPct val="90000"/>
         </a:lnSpc>
         <a:spcBef>
-          <a:spcPts val="379"/>
+          <a:spcPts val="273"/>
         </a:spcBef>
         <a:buFont typeface="Arial" panose="020B0604020202020204" pitchFamily="34" charset="0"/>
         <a:buChar char="•"/>
-        <a:defRPr sz="1515" kern="1200">
+        <a:defRPr sz="1094" kern="1200">
           <a:solidFill>
             <a:schemeClr val="tx1"/>
           </a:solidFill>
@@ -2748,16 +2752,16 @@
           <a:cs typeface="+mn-cs"/>
         </a:defRPr>
       </a:lvl3pPr>
-      <a:lvl4pPr marL="1212312" indent="-173187" algn="l" defTabSz="692749" rtl="0" eaLnBrk="1" latinLnBrk="0" hangingPunct="1">
+      <a:lvl4pPr marL="874989" indent="-124998" algn="l" defTabSz="499994" rtl="0" eaLnBrk="1" latinLnBrk="0" hangingPunct="1">
         <a:lnSpc>
           <a:spcPct val="90000"/>
         </a:lnSpc>
         <a:spcBef>
-          <a:spcPts val="379"/>
+          <a:spcPts val="273"/>
         </a:spcBef>
         <a:buFont typeface="Arial" panose="020B0604020202020204" pitchFamily="34" charset="0"/>
         <a:buChar char="•"/>
-        <a:defRPr sz="1364" kern="1200">
+        <a:defRPr sz="984" kern="1200">
           <a:solidFill>
             <a:schemeClr val="tx1"/>
           </a:solidFill>
@@ -2766,16 +2770,16 @@
           <a:cs typeface="+mn-cs"/>
         </a:defRPr>
       </a:lvl4pPr>
-      <a:lvl5pPr marL="1558686" indent="-173187" algn="l" defTabSz="692749" rtl="0" eaLnBrk="1" latinLnBrk="0" hangingPunct="1">
+      <a:lvl5pPr marL="1124986" indent="-124998" algn="l" defTabSz="499994" rtl="0" eaLnBrk="1" latinLnBrk="0" hangingPunct="1">
         <a:lnSpc>
           <a:spcPct val="90000"/>
         </a:lnSpc>
         <a:spcBef>
-          <a:spcPts val="379"/>
+          <a:spcPts val="273"/>
         </a:spcBef>
         <a:buFont typeface="Arial" panose="020B0604020202020204" pitchFamily="34" charset="0"/>
         <a:buChar char="•"/>
-        <a:defRPr sz="1364" kern="1200">
+        <a:defRPr sz="984" kern="1200">
           <a:solidFill>
             <a:schemeClr val="tx1"/>
           </a:solidFill>
@@ -2784,16 +2788,16 @@
           <a:cs typeface="+mn-cs"/>
         </a:defRPr>
       </a:lvl5pPr>
-      <a:lvl6pPr marL="1905061" indent="-173187" algn="l" defTabSz="692749" rtl="0" eaLnBrk="1" latinLnBrk="0" hangingPunct="1">
+      <a:lvl6pPr marL="1374983" indent="-124998" algn="l" defTabSz="499994" rtl="0" eaLnBrk="1" latinLnBrk="0" hangingPunct="1">
         <a:lnSpc>
           <a:spcPct val="90000"/>
         </a:lnSpc>
         <a:spcBef>
-          <a:spcPts val="379"/>
+          <a:spcPts val="273"/>
         </a:spcBef>
         <a:buFont typeface="Arial" panose="020B0604020202020204" pitchFamily="34" charset="0"/>
         <a:buChar char="•"/>
-        <a:defRPr sz="1364" kern="1200">
+        <a:defRPr sz="984" kern="1200">
           <a:solidFill>
             <a:schemeClr val="tx1"/>
           </a:solidFill>
@@ -2802,16 +2806,16 @@
           <a:cs typeface="+mn-cs"/>
         </a:defRPr>
       </a:lvl6pPr>
-      <a:lvl7pPr marL="2251436" indent="-173187" algn="l" defTabSz="692749" rtl="0" eaLnBrk="1" latinLnBrk="0" hangingPunct="1">
+      <a:lvl7pPr marL="1624980" indent="-124998" algn="l" defTabSz="499994" rtl="0" eaLnBrk="1" latinLnBrk="0" hangingPunct="1">
         <a:lnSpc>
           <a:spcPct val="90000"/>
         </a:lnSpc>
         <a:spcBef>
-          <a:spcPts val="379"/>
+          <a:spcPts val="273"/>
         </a:spcBef>
         <a:buFont typeface="Arial" panose="020B0604020202020204" pitchFamily="34" charset="0"/>
         <a:buChar char="•"/>
-        <a:defRPr sz="1364" kern="1200">
+        <a:defRPr sz="984" kern="1200">
           <a:solidFill>
             <a:schemeClr val="tx1"/>
           </a:solidFill>
@@ -2820,16 +2824,16 @@
           <a:cs typeface="+mn-cs"/>
         </a:defRPr>
       </a:lvl7pPr>
-      <a:lvl8pPr marL="2597810" indent="-173187" algn="l" defTabSz="692749" rtl="0" eaLnBrk="1" latinLnBrk="0" hangingPunct="1">
+      <a:lvl8pPr marL="1874977" indent="-124998" algn="l" defTabSz="499994" rtl="0" eaLnBrk="1" latinLnBrk="0" hangingPunct="1">
         <a:lnSpc>
           <a:spcPct val="90000"/>
         </a:lnSpc>
         <a:spcBef>
-          <a:spcPts val="379"/>
+          <a:spcPts val="273"/>
         </a:spcBef>
         <a:buFont typeface="Arial" panose="020B0604020202020204" pitchFamily="34" charset="0"/>
         <a:buChar char="•"/>
-        <a:defRPr sz="1364" kern="1200">
+        <a:defRPr sz="984" kern="1200">
           <a:solidFill>
             <a:schemeClr val="tx1"/>
           </a:solidFill>
@@ -2838,16 +2842,16 @@
           <a:cs typeface="+mn-cs"/>
         </a:defRPr>
       </a:lvl8pPr>
-      <a:lvl9pPr marL="2944185" indent="-173187" algn="l" defTabSz="692749" rtl="0" eaLnBrk="1" latinLnBrk="0" hangingPunct="1">
+      <a:lvl9pPr marL="2124974" indent="-124998" algn="l" defTabSz="499994" rtl="0" eaLnBrk="1" latinLnBrk="0" hangingPunct="1">
         <a:lnSpc>
           <a:spcPct val="90000"/>
         </a:lnSpc>
         <a:spcBef>
-          <a:spcPts val="379"/>
+          <a:spcPts val="273"/>
         </a:spcBef>
         <a:buFont typeface="Arial" panose="020B0604020202020204" pitchFamily="34" charset="0"/>
         <a:buChar char="•"/>
-        <a:defRPr sz="1364" kern="1200">
+        <a:defRPr sz="984" kern="1200">
           <a:solidFill>
             <a:schemeClr val="tx1"/>
           </a:solidFill>
@@ -2861,8 +2865,8 @@
       <a:defPPr>
         <a:defRPr lang="en-US"/>
       </a:defPPr>
-      <a:lvl1pPr marL="0" algn="l" defTabSz="692749" rtl="0" eaLnBrk="1" latinLnBrk="0" hangingPunct="1">
-        <a:defRPr sz="1364" kern="1200">
+      <a:lvl1pPr marL="0" algn="l" defTabSz="499994" rtl="0" eaLnBrk="1" latinLnBrk="0" hangingPunct="1">
+        <a:defRPr sz="984" kern="1200">
           <a:solidFill>
             <a:schemeClr val="tx1"/>
           </a:solidFill>
@@ -2871,8 +2875,8 @@
           <a:cs typeface="+mn-cs"/>
         </a:defRPr>
       </a:lvl1pPr>
-      <a:lvl2pPr marL="346375" algn="l" defTabSz="692749" rtl="0" eaLnBrk="1" latinLnBrk="0" hangingPunct="1">
-        <a:defRPr sz="1364" kern="1200">
+      <a:lvl2pPr marL="249997" algn="l" defTabSz="499994" rtl="0" eaLnBrk="1" latinLnBrk="0" hangingPunct="1">
+        <a:defRPr sz="984" kern="1200">
           <a:solidFill>
             <a:schemeClr val="tx1"/>
           </a:solidFill>
@@ -2881,8 +2885,8 @@
           <a:cs typeface="+mn-cs"/>
         </a:defRPr>
       </a:lvl2pPr>
-      <a:lvl3pPr marL="692749" algn="l" defTabSz="692749" rtl="0" eaLnBrk="1" latinLnBrk="0" hangingPunct="1">
-        <a:defRPr sz="1364" kern="1200">
+      <a:lvl3pPr marL="499994" algn="l" defTabSz="499994" rtl="0" eaLnBrk="1" latinLnBrk="0" hangingPunct="1">
+        <a:defRPr sz="984" kern="1200">
           <a:solidFill>
             <a:schemeClr val="tx1"/>
           </a:solidFill>
@@ -2891,8 +2895,8 @@
           <a:cs typeface="+mn-cs"/>
         </a:defRPr>
       </a:lvl3pPr>
-      <a:lvl4pPr marL="1039124" algn="l" defTabSz="692749" rtl="0" eaLnBrk="1" latinLnBrk="0" hangingPunct="1">
-        <a:defRPr sz="1364" kern="1200">
+      <a:lvl4pPr marL="749991" algn="l" defTabSz="499994" rtl="0" eaLnBrk="1" latinLnBrk="0" hangingPunct="1">
+        <a:defRPr sz="984" kern="1200">
           <a:solidFill>
             <a:schemeClr val="tx1"/>
           </a:solidFill>
@@ -2901,8 +2905,8 @@
           <a:cs typeface="+mn-cs"/>
         </a:defRPr>
       </a:lvl4pPr>
-      <a:lvl5pPr marL="1385499" algn="l" defTabSz="692749" rtl="0" eaLnBrk="1" latinLnBrk="0" hangingPunct="1">
-        <a:defRPr sz="1364" kern="1200">
+      <a:lvl5pPr marL="999988" algn="l" defTabSz="499994" rtl="0" eaLnBrk="1" latinLnBrk="0" hangingPunct="1">
+        <a:defRPr sz="984" kern="1200">
           <a:solidFill>
             <a:schemeClr val="tx1"/>
           </a:solidFill>
@@ -2911,8 +2915,8 @@
           <a:cs typeface="+mn-cs"/>
         </a:defRPr>
       </a:lvl5pPr>
-      <a:lvl6pPr marL="1731874" algn="l" defTabSz="692749" rtl="0" eaLnBrk="1" latinLnBrk="0" hangingPunct="1">
-        <a:defRPr sz="1364" kern="1200">
+      <a:lvl6pPr marL="1249985" algn="l" defTabSz="499994" rtl="0" eaLnBrk="1" latinLnBrk="0" hangingPunct="1">
+        <a:defRPr sz="984" kern="1200">
           <a:solidFill>
             <a:schemeClr val="tx1"/>
           </a:solidFill>
@@ -2921,8 +2925,8 @@
           <a:cs typeface="+mn-cs"/>
         </a:defRPr>
       </a:lvl6pPr>
-      <a:lvl7pPr marL="2078248" algn="l" defTabSz="692749" rtl="0" eaLnBrk="1" latinLnBrk="0" hangingPunct="1">
-        <a:defRPr sz="1364" kern="1200">
+      <a:lvl7pPr marL="1499982" algn="l" defTabSz="499994" rtl="0" eaLnBrk="1" latinLnBrk="0" hangingPunct="1">
+        <a:defRPr sz="984" kern="1200">
           <a:solidFill>
             <a:schemeClr val="tx1"/>
           </a:solidFill>
@@ -2931,8 +2935,8 @@
           <a:cs typeface="+mn-cs"/>
         </a:defRPr>
       </a:lvl7pPr>
-      <a:lvl8pPr marL="2424623" algn="l" defTabSz="692749" rtl="0" eaLnBrk="1" latinLnBrk="0" hangingPunct="1">
-        <a:defRPr sz="1364" kern="1200">
+      <a:lvl8pPr marL="1749979" algn="l" defTabSz="499994" rtl="0" eaLnBrk="1" latinLnBrk="0" hangingPunct="1">
+        <a:defRPr sz="984" kern="1200">
           <a:solidFill>
             <a:schemeClr val="tx1"/>
           </a:solidFill>
@@ -2941,8 +2945,8 @@
           <a:cs typeface="+mn-cs"/>
         </a:defRPr>
       </a:lvl8pPr>
-      <a:lvl9pPr marL="2770998" algn="l" defTabSz="692749" rtl="0" eaLnBrk="1" latinLnBrk="0" hangingPunct="1">
-        <a:defRPr sz="1364" kern="1200">
+      <a:lvl9pPr marL="1999976" algn="l" defTabSz="499994" rtl="0" eaLnBrk="1" latinLnBrk="0" hangingPunct="1">
+        <a:defRPr sz="984" kern="1200">
           <a:solidFill>
             <a:schemeClr val="tx1"/>
           </a:solidFill>
@@ -2996,7 +3000,7 @@
         </p:blipFill>
         <p:spPr bwMode="auto">
           <a:xfrm flipH="1">
-            <a:off x="147723" y="3020943"/>
+            <a:off x="147725" y="2297941"/>
             <a:ext cx="1446829" cy="569163"/>
           </a:xfrm>
           <a:prstGeom prst="rect">
@@ -3037,7 +3041,7 @@
         </p:blipFill>
         <p:spPr bwMode="auto">
           <a:xfrm flipH="1">
-            <a:off x="1895658" y="3020942"/>
+            <a:off x="1895660" y="2297940"/>
             <a:ext cx="1446829" cy="569163"/>
           </a:xfrm>
           <a:prstGeom prst="rect">
@@ -3078,7 +3082,7 @@
         </p:blipFill>
         <p:spPr bwMode="auto">
           <a:xfrm flipH="1">
-            <a:off x="3643593" y="3020941"/>
+            <a:off x="3643595" y="2297939"/>
             <a:ext cx="1446829" cy="569163"/>
           </a:xfrm>
           <a:prstGeom prst="rect">
@@ -3104,8 +3108,8 @@
         </p:nvSpPr>
         <p:spPr>
           <a:xfrm>
-            <a:off x="60530" y="2488176"/>
-            <a:ext cx="810671" cy="565668"/>
+            <a:off x="60532" y="1765173"/>
+            <a:ext cx="836063" cy="584775"/>
           </a:xfrm>
           <a:prstGeom prst="rect">
             <a:avLst/>
@@ -3119,16 +3123,15 @@
           <a:lstStyle/>
           <a:p>
             <a:r>
-              <a:rPr lang="en-US" smtClean="0"/>
+              <a:rPr lang="en-US" sz="1600"/>
               <a:t>SDN </a:t>
             </a:r>
           </a:p>
           <a:p>
             <a:r>
-              <a:rPr lang="en-US" dirty="0" smtClean="0"/>
+              <a:rPr lang="en-US" sz="1600" dirty="0"/>
               <a:t>Switch1</a:t>
             </a:r>
-            <a:endParaRPr lang="en-US" dirty="0"/>
           </a:p>
         </p:txBody>
       </p:sp>
@@ -3140,8 +3143,8 @@
         </p:nvSpPr>
         <p:spPr>
           <a:xfrm>
-            <a:off x="1851274" y="2488176"/>
-            <a:ext cx="810671" cy="565668"/>
+            <a:off x="1851276" y="1765173"/>
+            <a:ext cx="836063" cy="584775"/>
           </a:xfrm>
           <a:prstGeom prst="rect">
             <a:avLst/>
@@ -3155,16 +3158,15 @@
           <a:lstStyle/>
           <a:p>
             <a:r>
-              <a:rPr lang="en-US" smtClean="0"/>
+              <a:rPr lang="en-US" sz="1600"/>
               <a:t>SDN</a:t>
             </a:r>
           </a:p>
           <a:p>
             <a:r>
-              <a:rPr lang="en-US" dirty="0" smtClean="0"/>
+              <a:rPr lang="en-US" sz="1600" dirty="0"/>
               <a:t>Switch2</a:t>
             </a:r>
-            <a:endParaRPr lang="en-US" dirty="0"/>
           </a:p>
         </p:txBody>
       </p:sp>
@@ -3176,8 +3178,8 @@
         </p:nvSpPr>
         <p:spPr>
           <a:xfrm>
-            <a:off x="3534307" y="2491590"/>
-            <a:ext cx="810671" cy="565668"/>
+            <a:off x="3534309" y="1768587"/>
+            <a:ext cx="836063" cy="584775"/>
           </a:xfrm>
           <a:prstGeom prst="rect">
             <a:avLst/>
@@ -3191,16 +3193,15 @@
           <a:lstStyle/>
           <a:p>
             <a:r>
-              <a:rPr lang="en-US" smtClean="0"/>
+              <a:rPr lang="en-US" sz="1600"/>
               <a:t>SDN</a:t>
             </a:r>
           </a:p>
           <a:p>
             <a:r>
-              <a:rPr lang="en-US" dirty="0" smtClean="0"/>
+              <a:rPr lang="en-US" sz="1600" dirty="0"/>
               <a:t>Switch3</a:t>
             </a:r>
-            <a:endParaRPr lang="en-US" dirty="0"/>
           </a:p>
         </p:txBody>
       </p:sp>
@@ -3212,7 +3213,7 @@
         </p:nvSpPr>
         <p:spPr>
           <a:xfrm>
-            <a:off x="2569527" y="740229"/>
+            <a:off x="2569527" y="17225"/>
             <a:ext cx="3550528" cy="698903"/>
           </a:xfrm>
           <a:prstGeom prst="roundRect">
@@ -3246,18 +3247,13 @@
           <a:p>
             <a:pPr algn="ctr"/>
             <a:r>
-              <a:rPr lang="en-US" dirty="0" smtClean="0">
+              <a:rPr lang="en-US" sz="1600" dirty="0">
                 <a:solidFill>
                   <a:sysClr val="windowText" lastClr="000000"/>
                 </a:solidFill>
               </a:rPr>
               <a:t>Core L2 Switch</a:t>
             </a:r>
-            <a:endParaRPr lang="en-US" dirty="0">
-              <a:solidFill>
-                <a:sysClr val="windowText" lastClr="000000"/>
-              </a:solidFill>
-            </a:endParaRPr>
           </a:p>
         </p:txBody>
       </p:sp>
@@ -3272,7 +3268,7 @@
         </p:nvCxnSpPr>
         <p:spPr>
           <a:xfrm flipH="1">
-            <a:off x="871137" y="1439132"/>
+            <a:off x="871137" y="716130"/>
             <a:ext cx="3473654" cy="1581811"/>
           </a:xfrm>
           <a:prstGeom prst="straightConnector1">
@@ -3310,7 +3306,7 @@
         </p:nvCxnSpPr>
         <p:spPr>
           <a:xfrm flipH="1">
-            <a:off x="2619072" y="1439132"/>
+            <a:off x="2619074" y="716128"/>
             <a:ext cx="1725719" cy="1581810"/>
           </a:xfrm>
           <a:prstGeom prst="straightConnector1">
@@ -3348,7 +3344,7 @@
         </p:nvCxnSpPr>
         <p:spPr>
           <a:xfrm>
-            <a:off x="4344791" y="1439132"/>
+            <a:off x="4344791" y="716130"/>
             <a:ext cx="22216" cy="1581809"/>
           </a:xfrm>
           <a:prstGeom prst="straightConnector1">
@@ -3398,7 +3394,7 @@
         </p:blipFill>
         <p:spPr bwMode="auto">
           <a:xfrm flipH="1">
-            <a:off x="7148941" y="3020937"/>
+            <a:off x="7148943" y="2297935"/>
             <a:ext cx="1446829" cy="569163"/>
           </a:xfrm>
           <a:prstGeom prst="rect">
@@ -3439,7 +3435,7 @@
         </p:blipFill>
         <p:spPr bwMode="auto">
           <a:xfrm flipH="1">
-            <a:off x="5396267" y="3020938"/>
+            <a:off x="5396269" y="2297936"/>
             <a:ext cx="1446829" cy="569163"/>
           </a:xfrm>
           <a:prstGeom prst="rect">
@@ -3468,7 +3464,7 @@
         </p:nvCxnSpPr>
         <p:spPr>
           <a:xfrm>
-            <a:off x="4344791" y="1439132"/>
+            <a:off x="4344791" y="716128"/>
             <a:ext cx="1774890" cy="1581806"/>
           </a:xfrm>
           <a:prstGeom prst="straightConnector1">
@@ -3506,7 +3502,7 @@
         </p:nvCxnSpPr>
         <p:spPr>
           <a:xfrm>
-            <a:off x="4344791" y="1439132"/>
+            <a:off x="4344791" y="716130"/>
             <a:ext cx="3527564" cy="1581805"/>
           </a:xfrm>
           <a:prstGeom prst="straightConnector1">
@@ -3541,8 +3537,8 @@
         </p:nvSpPr>
         <p:spPr>
           <a:xfrm>
-            <a:off x="5112589" y="2485460"/>
-            <a:ext cx="810671" cy="565668"/>
+            <a:off x="5112591" y="1762457"/>
+            <a:ext cx="836063" cy="584775"/>
           </a:xfrm>
           <a:prstGeom prst="rect">
             <a:avLst/>
@@ -3556,16 +3552,15 @@
           <a:lstStyle/>
           <a:p>
             <a:r>
-              <a:rPr lang="en-US" smtClean="0"/>
+              <a:rPr lang="en-US" sz="1600"/>
               <a:t>SDN</a:t>
             </a:r>
           </a:p>
           <a:p>
             <a:r>
-              <a:rPr lang="en-US" dirty="0" smtClean="0"/>
+              <a:rPr lang="en-US" sz="1600" dirty="0"/>
               <a:t>Switch4</a:t>
             </a:r>
-            <a:endParaRPr lang="en-US" dirty="0"/>
           </a:p>
         </p:txBody>
       </p:sp>
@@ -3577,8 +3572,8 @@
         </p:nvSpPr>
         <p:spPr>
           <a:xfrm>
-            <a:off x="7837609" y="2485460"/>
-            <a:ext cx="810671" cy="802336"/>
+            <a:off x="6566802" y="1841571"/>
+            <a:ext cx="836063" cy="861774"/>
           </a:xfrm>
           <a:prstGeom prst="rect">
             <a:avLst/>
@@ -3592,18 +3587,18 @@
           <a:lstStyle/>
           <a:p>
             <a:r>
-              <a:rPr lang="en-US" smtClean="0"/>
+              <a:rPr lang="en-US" sz="1600" dirty="0"/>
               <a:t>SDN</a:t>
             </a:r>
           </a:p>
           <a:p>
             <a:r>
-              <a:rPr lang="en-US" dirty="0" smtClean="0"/>
+              <a:rPr lang="en-US" sz="1600" dirty="0"/>
               <a:t>Switch5</a:t>
             </a:r>
           </a:p>
           <a:p>
-            <a:endParaRPr lang="en-US" dirty="0"/>
+            <a:endParaRPr lang="en-US" sz="1600" dirty="0"/>
           </a:p>
         </p:txBody>
       </p:sp>
@@ -3615,7 +3610,7 @@
         </p:nvSpPr>
         <p:spPr>
           <a:xfrm>
-            <a:off x="147723" y="3925898"/>
+            <a:off x="147725" y="3202894"/>
             <a:ext cx="829877" cy="533400"/>
           </a:xfrm>
           <a:prstGeom prst="rect">
@@ -3644,7 +3639,7 @@
           <a:p>
             <a:pPr algn="ctr"/>
             <a:r>
-              <a:rPr lang="en-US" dirty="0" smtClean="0">
+              <a:rPr lang="en-US" sz="1600" dirty="0">
                 <a:solidFill>
                   <a:schemeClr val="tx1"/>
                 </a:solidFill>
@@ -3655,18 +3650,13 @@
           <a:p>
             <a:pPr algn="ctr"/>
             <a:r>
-              <a:rPr lang="en-US" dirty="0" smtClean="0">
+              <a:rPr lang="en-US" sz="1600" dirty="0">
                 <a:solidFill>
                   <a:schemeClr val="tx1"/>
                 </a:solidFill>
               </a:rPr>
               <a:t>Servers</a:t>
             </a:r>
-            <a:endParaRPr lang="en-US" dirty="0">
-              <a:solidFill>
-                <a:schemeClr val="tx1"/>
-              </a:solidFill>
-            </a:endParaRPr>
           </a:p>
         </p:txBody>
       </p:sp>
@@ -3680,7 +3670,7 @@
         </p:nvCxnSpPr>
         <p:spPr>
           <a:xfrm flipH="1">
-            <a:off x="562662" y="3349944"/>
+            <a:off x="562664" y="2626940"/>
             <a:ext cx="3395" cy="575954"/>
           </a:xfrm>
           <a:prstGeom prst="line">
@@ -3715,7 +3705,7 @@
         </p:nvSpPr>
         <p:spPr>
           <a:xfrm>
-            <a:off x="1862877" y="3925898"/>
+            <a:off x="1862879" y="3202894"/>
             <a:ext cx="829877" cy="533400"/>
           </a:xfrm>
           <a:prstGeom prst="rect">
@@ -3744,7 +3734,7 @@
           <a:p>
             <a:pPr algn="ctr"/>
             <a:r>
-              <a:rPr lang="en-US" dirty="0" smtClean="0">
+              <a:rPr lang="en-US" sz="1600" dirty="0">
                 <a:solidFill>
                   <a:schemeClr val="tx1"/>
                 </a:solidFill>
@@ -3755,18 +3745,13 @@
           <a:p>
             <a:pPr algn="ctr"/>
             <a:r>
-              <a:rPr lang="en-US" dirty="0" smtClean="0">
+              <a:rPr lang="en-US" sz="1600" dirty="0">
                 <a:solidFill>
                   <a:schemeClr val="tx1"/>
                 </a:solidFill>
               </a:rPr>
               <a:t>Servers</a:t>
             </a:r>
-            <a:endParaRPr lang="en-US" dirty="0">
-              <a:solidFill>
-                <a:schemeClr val="tx1"/>
-              </a:solidFill>
-            </a:endParaRPr>
           </a:p>
         </p:txBody>
       </p:sp>
@@ -3778,7 +3763,7 @@
         </p:nvCxnSpPr>
         <p:spPr>
           <a:xfrm flipH="1">
-            <a:off x="2277816" y="3349944"/>
+            <a:off x="2277818" y="2626940"/>
             <a:ext cx="3395" cy="575954"/>
           </a:xfrm>
           <a:prstGeom prst="line">
@@ -3813,7 +3798,7 @@
         </p:nvSpPr>
         <p:spPr>
           <a:xfrm>
-            <a:off x="3643593" y="3925898"/>
+            <a:off x="3643595" y="3202894"/>
             <a:ext cx="829877" cy="533400"/>
           </a:xfrm>
           <a:prstGeom prst="rect">
@@ -3842,7 +3827,7 @@
           <a:p>
             <a:pPr algn="ctr"/>
             <a:r>
-              <a:rPr lang="en-US" dirty="0" smtClean="0">
+              <a:rPr lang="en-US" sz="1600" dirty="0">
                 <a:solidFill>
                   <a:schemeClr val="tx1"/>
                 </a:solidFill>
@@ -3853,18 +3838,13 @@
           <a:p>
             <a:pPr algn="ctr"/>
             <a:r>
-              <a:rPr lang="en-US" dirty="0" smtClean="0">
+              <a:rPr lang="en-US" sz="1600" dirty="0">
                 <a:solidFill>
                   <a:schemeClr val="tx1"/>
                 </a:solidFill>
               </a:rPr>
               <a:t>Servers</a:t>
             </a:r>
-            <a:endParaRPr lang="en-US" dirty="0">
-              <a:solidFill>
-                <a:schemeClr val="tx1"/>
-              </a:solidFill>
-            </a:endParaRPr>
           </a:p>
         </p:txBody>
       </p:sp>
@@ -3876,7 +3856,7 @@
         </p:nvCxnSpPr>
         <p:spPr>
           <a:xfrm flipH="1">
-            <a:off x="4058532" y="3349944"/>
+            <a:off x="4058534" y="2626940"/>
             <a:ext cx="3395" cy="575954"/>
           </a:xfrm>
           <a:prstGeom prst="line">
@@ -3911,7 +3891,7 @@
         </p:nvSpPr>
         <p:spPr>
           <a:xfrm>
-            <a:off x="5383288" y="3925898"/>
+            <a:off x="5383290" y="3202894"/>
             <a:ext cx="829877" cy="533400"/>
           </a:xfrm>
           <a:prstGeom prst="rect">
@@ -3940,7 +3920,7 @@
           <a:p>
             <a:pPr algn="ctr"/>
             <a:r>
-              <a:rPr lang="en-US" dirty="0" smtClean="0">
+              <a:rPr lang="en-US" sz="1600" dirty="0">
                 <a:solidFill>
                   <a:schemeClr val="tx1"/>
                 </a:solidFill>
@@ -3951,18 +3931,13 @@
           <a:p>
             <a:pPr algn="ctr"/>
             <a:r>
-              <a:rPr lang="en-US" dirty="0" smtClean="0">
+              <a:rPr lang="en-US" sz="1600" dirty="0">
                 <a:solidFill>
                   <a:schemeClr val="tx1"/>
                 </a:solidFill>
               </a:rPr>
               <a:t>Servers</a:t>
             </a:r>
-            <a:endParaRPr lang="en-US" dirty="0">
-              <a:solidFill>
-                <a:schemeClr val="tx1"/>
-              </a:solidFill>
-            </a:endParaRPr>
           </a:p>
         </p:txBody>
       </p:sp>
@@ -3974,7 +3949,7 @@
         </p:nvCxnSpPr>
         <p:spPr>
           <a:xfrm flipH="1">
-            <a:off x="5798227" y="3349944"/>
+            <a:off x="5798229" y="2626940"/>
             <a:ext cx="3395" cy="575954"/>
           </a:xfrm>
           <a:prstGeom prst="line">
@@ -4009,7 +3984,7 @@
         </p:nvSpPr>
         <p:spPr>
           <a:xfrm>
-            <a:off x="7152879" y="3925898"/>
+            <a:off x="7152881" y="3202894"/>
             <a:ext cx="829877" cy="533400"/>
           </a:xfrm>
           <a:prstGeom prst="rect">
@@ -4038,7 +4013,7 @@
           <a:p>
             <a:pPr algn="ctr"/>
             <a:r>
-              <a:rPr lang="en-US" dirty="0" smtClean="0">
+              <a:rPr lang="en-US" sz="1600" dirty="0">
                 <a:solidFill>
                   <a:schemeClr val="tx1"/>
                 </a:solidFill>
@@ -4049,18 +4024,13 @@
           <a:p>
             <a:pPr algn="ctr"/>
             <a:r>
-              <a:rPr lang="en-US" dirty="0" smtClean="0">
+              <a:rPr lang="en-US" sz="1600" dirty="0">
                 <a:solidFill>
                   <a:schemeClr val="tx1"/>
                 </a:solidFill>
               </a:rPr>
               <a:t>Servers</a:t>
             </a:r>
-            <a:endParaRPr lang="en-US" dirty="0">
-              <a:solidFill>
-                <a:schemeClr val="tx1"/>
-              </a:solidFill>
-            </a:endParaRPr>
           </a:p>
         </p:txBody>
       </p:sp>
@@ -4072,7 +4042,7 @@
         </p:nvCxnSpPr>
         <p:spPr>
           <a:xfrm flipH="1">
-            <a:off x="7567818" y="3349944"/>
+            <a:off x="7567820" y="2626940"/>
             <a:ext cx="3395" cy="575954"/>
           </a:xfrm>
           <a:prstGeom prst="line">
@@ -4107,7 +4077,7 @@
         </p:nvSpPr>
         <p:spPr>
           <a:xfrm>
-            <a:off x="976830" y="3454390"/>
+            <a:off x="976832" y="2731388"/>
             <a:ext cx="995141" cy="500743"/>
           </a:xfrm>
           <a:prstGeom prst="ellipse">
@@ -4147,7 +4117,7 @@
           <a:p>
             <a:pPr algn="ctr"/>
             <a:r>
-              <a:rPr lang="en-US" dirty="0" smtClean="0">
+              <a:rPr lang="en-US" sz="1600" dirty="0">
                 <a:solidFill>
                   <a:schemeClr val="tx1"/>
                 </a:solidFill>
@@ -4158,18 +4128,13 @@
           <a:p>
             <a:pPr algn="ctr"/>
             <a:r>
-              <a:rPr lang="en-US" dirty="0" smtClean="0">
+              <a:rPr lang="en-US" sz="1600" dirty="0">
                 <a:solidFill>
                   <a:schemeClr val="tx1"/>
                 </a:solidFill>
               </a:rPr>
               <a:t>Loops</a:t>
             </a:r>
-            <a:endParaRPr lang="en-US" dirty="0">
-              <a:solidFill>
-                <a:schemeClr val="tx1"/>
-              </a:solidFill>
-            </a:endParaRPr>
           </a:p>
         </p:txBody>
       </p:sp>
@@ -4183,7 +4148,7 @@
         </p:nvCxnSpPr>
         <p:spPr>
           <a:xfrm flipH="1" flipV="1">
-            <a:off x="1225753" y="3349944"/>
+            <a:off x="1225753" y="2626940"/>
             <a:ext cx="248648" cy="104446"/>
           </a:xfrm>
           <a:prstGeom prst="line">
@@ -4218,7 +4183,7 @@
         </p:nvSpPr>
         <p:spPr>
           <a:xfrm>
-            <a:off x="2721044" y="3454390"/>
+            <a:off x="2721046" y="2731388"/>
             <a:ext cx="995141" cy="500743"/>
           </a:xfrm>
           <a:prstGeom prst="ellipse">
@@ -4258,7 +4223,7 @@
           <a:p>
             <a:pPr algn="ctr"/>
             <a:r>
-              <a:rPr lang="en-US" dirty="0" smtClean="0">
+              <a:rPr lang="en-US" sz="1600" dirty="0">
                 <a:solidFill>
                   <a:schemeClr val="tx1"/>
                 </a:solidFill>
@@ -4269,18 +4234,13 @@
           <a:p>
             <a:pPr algn="ctr"/>
             <a:r>
-              <a:rPr lang="en-US" dirty="0" smtClean="0">
+              <a:rPr lang="en-US" sz="1600" dirty="0">
                 <a:solidFill>
                   <a:schemeClr val="tx1"/>
                 </a:solidFill>
               </a:rPr>
               <a:t>Loops</a:t>
             </a:r>
-            <a:endParaRPr lang="en-US" dirty="0">
-              <a:solidFill>
-                <a:schemeClr val="tx1"/>
-              </a:solidFill>
-            </a:endParaRPr>
           </a:p>
         </p:txBody>
       </p:sp>
@@ -4292,7 +4252,7 @@
         </p:nvCxnSpPr>
         <p:spPr>
           <a:xfrm flipH="1" flipV="1">
-            <a:off x="2969967" y="3349944"/>
+            <a:off x="2969967" y="2626940"/>
             <a:ext cx="248648" cy="104446"/>
           </a:xfrm>
           <a:prstGeom prst="line">
@@ -4327,7 +4287,7 @@
         </p:nvSpPr>
         <p:spPr>
           <a:xfrm>
-            <a:off x="4498106" y="3425155"/>
+            <a:off x="4498108" y="2702153"/>
             <a:ext cx="995141" cy="500743"/>
           </a:xfrm>
           <a:prstGeom prst="ellipse">
@@ -4367,7 +4327,7 @@
           <a:p>
             <a:pPr algn="ctr"/>
             <a:r>
-              <a:rPr lang="en-US" dirty="0" smtClean="0">
+              <a:rPr lang="en-US" sz="1600" dirty="0">
                 <a:solidFill>
                   <a:schemeClr val="tx1"/>
                 </a:solidFill>
@@ -4378,18 +4338,13 @@
           <a:p>
             <a:pPr algn="ctr"/>
             <a:r>
-              <a:rPr lang="en-US" dirty="0" smtClean="0">
+              <a:rPr lang="en-US" sz="1600" dirty="0">
                 <a:solidFill>
                   <a:schemeClr val="tx1"/>
                 </a:solidFill>
               </a:rPr>
               <a:t>Loops</a:t>
             </a:r>
-            <a:endParaRPr lang="en-US" dirty="0">
-              <a:solidFill>
-                <a:schemeClr val="tx1"/>
-              </a:solidFill>
-            </a:endParaRPr>
           </a:p>
         </p:txBody>
       </p:sp>
@@ -4401,7 +4356,7 @@
         </p:nvCxnSpPr>
         <p:spPr>
           <a:xfrm flipH="1" flipV="1">
-            <a:off x="4747029" y="3320709"/>
+            <a:off x="4747029" y="2597705"/>
             <a:ext cx="248648" cy="104446"/>
           </a:xfrm>
           <a:prstGeom prst="line">
@@ -4436,8 +4391,8 @@
         </p:nvSpPr>
         <p:spPr>
           <a:xfrm>
-            <a:off x="6879771" y="5312229"/>
-            <a:ext cx="184731" cy="329001"/>
+            <a:off x="6879773" y="4452701"/>
+            <a:ext cx="184731" cy="338554"/>
           </a:xfrm>
           <a:prstGeom prst="rect">
             <a:avLst/>
@@ -4450,7 +4405,7 @@
           </a:bodyPr>
           <a:lstStyle/>
           <a:p>
-            <a:endParaRPr lang="en-US" dirty="0"/>
+            <a:endParaRPr lang="en-US" sz="1600" dirty="0"/>
           </a:p>
         </p:txBody>
       </p:sp>
@@ -4462,7 +4417,7 @@
         </p:nvSpPr>
         <p:spPr>
           <a:xfrm>
-            <a:off x="6260706" y="3454390"/>
+            <a:off x="6260708" y="2731388"/>
             <a:ext cx="995141" cy="500743"/>
           </a:xfrm>
           <a:prstGeom prst="ellipse">
@@ -4502,7 +4457,7 @@
           <a:p>
             <a:pPr algn="ctr"/>
             <a:r>
-              <a:rPr lang="en-US" dirty="0" smtClean="0">
+              <a:rPr lang="en-US" sz="1600" dirty="0">
                 <a:solidFill>
                   <a:schemeClr val="tx1"/>
                 </a:solidFill>
@@ -4513,18 +4468,13 @@
           <a:p>
             <a:pPr algn="ctr"/>
             <a:r>
-              <a:rPr lang="en-US" dirty="0" smtClean="0">
+              <a:rPr lang="en-US" sz="1600" dirty="0">
                 <a:solidFill>
                   <a:schemeClr val="tx1"/>
                 </a:solidFill>
               </a:rPr>
               <a:t>Loops</a:t>
             </a:r>
-            <a:endParaRPr lang="en-US" dirty="0">
-              <a:solidFill>
-                <a:schemeClr val="tx1"/>
-              </a:solidFill>
-            </a:endParaRPr>
           </a:p>
         </p:txBody>
       </p:sp>
@@ -4536,7 +4486,7 @@
         </p:nvCxnSpPr>
         <p:spPr>
           <a:xfrm flipH="1" flipV="1">
-            <a:off x="6509629" y="3349944"/>
+            <a:off x="6509629" y="2626940"/>
             <a:ext cx="248648" cy="104446"/>
           </a:xfrm>
           <a:prstGeom prst="line">
@@ -4571,7 +4521,7 @@
         </p:nvSpPr>
         <p:spPr>
           <a:xfrm>
-            <a:off x="7984903" y="3454390"/>
+            <a:off x="7984905" y="2731388"/>
             <a:ext cx="995141" cy="500743"/>
           </a:xfrm>
           <a:prstGeom prst="ellipse">
@@ -4611,7 +4561,7 @@
           <a:p>
             <a:pPr algn="ctr"/>
             <a:r>
-              <a:rPr lang="en-US" dirty="0" smtClean="0">
+              <a:rPr lang="en-US" sz="1600" dirty="0">
                 <a:solidFill>
                   <a:schemeClr val="tx1"/>
                 </a:solidFill>
@@ -4622,18 +4572,13 @@
           <a:p>
             <a:pPr algn="ctr"/>
             <a:r>
-              <a:rPr lang="en-US" dirty="0" smtClean="0">
+              <a:rPr lang="en-US" sz="1600" dirty="0">
                 <a:solidFill>
                   <a:schemeClr val="tx1"/>
                 </a:solidFill>
               </a:rPr>
               <a:t>Loops</a:t>
             </a:r>
-            <a:endParaRPr lang="en-US" dirty="0">
-              <a:solidFill>
-                <a:schemeClr val="tx1"/>
-              </a:solidFill>
-            </a:endParaRPr>
           </a:p>
         </p:txBody>
       </p:sp>
@@ -4645,7 +4590,7 @@
         </p:nvCxnSpPr>
         <p:spPr>
           <a:xfrm flipH="1" flipV="1">
-            <a:off x="8233826" y="3349944"/>
+            <a:off x="8233826" y="2626940"/>
             <a:ext cx="248648" cy="104446"/>
           </a:xfrm>
           <a:prstGeom prst="line">
@@ -4672,6 +4617,356 @@
           </a:fontRef>
         </p:style>
       </p:cxnSp>
+      <p:sp>
+        <p:nvSpPr>
+          <p:cNvPr id="2" name="TextBox 1">
+            <a:extLst>
+              <a:ext uri="{FF2B5EF4-FFF2-40B4-BE49-F238E27FC236}">
+                <a16:creationId xmlns:a16="http://schemas.microsoft.com/office/drawing/2014/main" id="{C706923F-EA0F-4037-B78D-FC13D9526991}"/>
+              </a:ext>
+            </a:extLst>
+          </p:cNvPr>
+          <p:cNvSpPr txBox="1"/>
+          <p:nvPr/>
+        </p:nvSpPr>
+        <p:spPr>
+          <a:xfrm>
+            <a:off x="6260707" y="1374291"/>
+            <a:ext cx="522900" cy="338554"/>
+          </a:xfrm>
+          <a:prstGeom prst="rect">
+            <a:avLst/>
+          </a:prstGeom>
+          <a:noFill/>
+        </p:spPr>
+        <p:txBody>
+          <a:bodyPr wrap="none" rtlCol="0">
+            <a:spAutoFit/>
+          </a:bodyPr>
+          <a:lstStyle/>
+          <a:p>
+            <a:r>
+              <a:rPr lang="en-US" sz="1600" dirty="0"/>
+              <a:t>40G</a:t>
+            </a:r>
+          </a:p>
+        </p:txBody>
+      </p:sp>
+      <p:sp>
+        <p:nvSpPr>
+          <p:cNvPr id="40" name="TextBox 39">
+            <a:extLst>
+              <a:ext uri="{FF2B5EF4-FFF2-40B4-BE49-F238E27FC236}">
+                <a16:creationId xmlns:a16="http://schemas.microsoft.com/office/drawing/2014/main" id="{7C852C47-C5C7-4167-A864-D956CB969A90}"/>
+              </a:ext>
+            </a:extLst>
+          </p:cNvPr>
+          <p:cNvSpPr txBox="1"/>
+          <p:nvPr/>
+        </p:nvSpPr>
+        <p:spPr>
+          <a:xfrm>
+            <a:off x="5436955" y="1518756"/>
+            <a:ext cx="522900" cy="338554"/>
+          </a:xfrm>
+          <a:prstGeom prst="rect">
+            <a:avLst/>
+          </a:prstGeom>
+          <a:noFill/>
+        </p:spPr>
+        <p:txBody>
+          <a:bodyPr wrap="none" rtlCol="0">
+            <a:spAutoFit/>
+          </a:bodyPr>
+          <a:lstStyle/>
+          <a:p>
+            <a:r>
+              <a:rPr lang="en-US" sz="1600" dirty="0"/>
+              <a:t>40G</a:t>
+            </a:r>
+          </a:p>
+        </p:txBody>
+      </p:sp>
+      <p:sp>
+        <p:nvSpPr>
+          <p:cNvPr id="41" name="TextBox 40">
+            <a:extLst>
+              <a:ext uri="{FF2B5EF4-FFF2-40B4-BE49-F238E27FC236}">
+                <a16:creationId xmlns:a16="http://schemas.microsoft.com/office/drawing/2014/main" id="{CDE4D8C7-B824-4788-A674-0E916A1C663D}"/>
+              </a:ext>
+            </a:extLst>
+          </p:cNvPr>
+          <p:cNvSpPr txBox="1"/>
+          <p:nvPr/>
+        </p:nvSpPr>
+        <p:spPr>
+          <a:xfrm>
+            <a:off x="4296236" y="1564274"/>
+            <a:ext cx="522900" cy="338554"/>
+          </a:xfrm>
+          <a:prstGeom prst="rect">
+            <a:avLst/>
+          </a:prstGeom>
+          <a:noFill/>
+        </p:spPr>
+        <p:txBody>
+          <a:bodyPr wrap="none" rtlCol="0">
+            <a:spAutoFit/>
+          </a:bodyPr>
+          <a:lstStyle/>
+          <a:p>
+            <a:r>
+              <a:rPr lang="en-US" sz="1600" dirty="0"/>
+              <a:t>40G</a:t>
+            </a:r>
+          </a:p>
+        </p:txBody>
+      </p:sp>
+      <p:sp>
+        <p:nvSpPr>
+          <p:cNvPr id="42" name="TextBox 41">
+            <a:extLst>
+              <a:ext uri="{FF2B5EF4-FFF2-40B4-BE49-F238E27FC236}">
+                <a16:creationId xmlns:a16="http://schemas.microsoft.com/office/drawing/2014/main" id="{452B214B-C922-42AC-AE7E-838E24B90ED5}"/>
+              </a:ext>
+            </a:extLst>
+          </p:cNvPr>
+          <p:cNvSpPr txBox="1"/>
+          <p:nvPr/>
+        </p:nvSpPr>
+        <p:spPr>
+          <a:xfrm>
+            <a:off x="3252789" y="1512571"/>
+            <a:ext cx="522900" cy="338554"/>
+          </a:xfrm>
+          <a:prstGeom prst="rect">
+            <a:avLst/>
+          </a:prstGeom>
+          <a:noFill/>
+        </p:spPr>
+        <p:txBody>
+          <a:bodyPr wrap="none" rtlCol="0">
+            <a:spAutoFit/>
+          </a:bodyPr>
+          <a:lstStyle/>
+          <a:p>
+            <a:r>
+              <a:rPr lang="en-US" sz="1600" dirty="0"/>
+              <a:t>40G</a:t>
+            </a:r>
+          </a:p>
+        </p:txBody>
+      </p:sp>
+      <p:sp>
+        <p:nvSpPr>
+          <p:cNvPr id="43" name="TextBox 42">
+            <a:extLst>
+              <a:ext uri="{FF2B5EF4-FFF2-40B4-BE49-F238E27FC236}">
+                <a16:creationId xmlns:a16="http://schemas.microsoft.com/office/drawing/2014/main" id="{EB0BD8E8-BF63-4157-8AD0-12DB60AA52E6}"/>
+              </a:ext>
+            </a:extLst>
+          </p:cNvPr>
+          <p:cNvSpPr txBox="1"/>
+          <p:nvPr/>
+        </p:nvSpPr>
+        <p:spPr>
+          <a:xfrm>
+            <a:off x="2512345" y="1374291"/>
+            <a:ext cx="522900" cy="338554"/>
+          </a:xfrm>
+          <a:prstGeom prst="rect">
+            <a:avLst/>
+          </a:prstGeom>
+          <a:noFill/>
+        </p:spPr>
+        <p:txBody>
+          <a:bodyPr wrap="none" rtlCol="0">
+            <a:spAutoFit/>
+          </a:bodyPr>
+          <a:lstStyle/>
+          <a:p>
+            <a:r>
+              <a:rPr lang="en-US" sz="1600" dirty="0"/>
+              <a:t>40G</a:t>
+            </a:r>
+          </a:p>
+        </p:txBody>
+      </p:sp>
+      <p:sp>
+        <p:nvSpPr>
+          <p:cNvPr id="3" name="TextBox 2">
+            <a:extLst>
+              <a:ext uri="{FF2B5EF4-FFF2-40B4-BE49-F238E27FC236}">
+                <a16:creationId xmlns:a16="http://schemas.microsoft.com/office/drawing/2014/main" id="{6D4D5FF0-B9FB-4E11-AF7A-86DEF04A89CF}"/>
+              </a:ext>
+            </a:extLst>
+          </p:cNvPr>
+          <p:cNvSpPr txBox="1"/>
+          <p:nvPr/>
+        </p:nvSpPr>
+        <p:spPr>
+          <a:xfrm>
+            <a:off x="7489290" y="2761271"/>
+            <a:ext cx="418704" cy="338554"/>
+          </a:xfrm>
+          <a:prstGeom prst="rect">
+            <a:avLst/>
+          </a:prstGeom>
+          <a:noFill/>
+        </p:spPr>
+        <p:txBody>
+          <a:bodyPr wrap="none" rtlCol="0">
+            <a:spAutoFit/>
+          </a:bodyPr>
+          <a:lstStyle/>
+          <a:p>
+            <a:r>
+              <a:rPr lang="en-US" sz="1600" dirty="0"/>
+              <a:t>1G</a:t>
+            </a:r>
+          </a:p>
+        </p:txBody>
+      </p:sp>
+      <p:sp>
+        <p:nvSpPr>
+          <p:cNvPr id="47" name="TextBox 46">
+            <a:extLst>
+              <a:ext uri="{FF2B5EF4-FFF2-40B4-BE49-F238E27FC236}">
+                <a16:creationId xmlns:a16="http://schemas.microsoft.com/office/drawing/2014/main" id="{15543320-3B8A-4057-B5AA-621E6BE6F060}"/>
+              </a:ext>
+            </a:extLst>
+          </p:cNvPr>
+          <p:cNvSpPr txBox="1"/>
+          <p:nvPr/>
+        </p:nvSpPr>
+        <p:spPr>
+          <a:xfrm>
+            <a:off x="481217" y="2784208"/>
+            <a:ext cx="418704" cy="338554"/>
+          </a:xfrm>
+          <a:prstGeom prst="rect">
+            <a:avLst/>
+          </a:prstGeom>
+          <a:noFill/>
+        </p:spPr>
+        <p:txBody>
+          <a:bodyPr wrap="none" rtlCol="0">
+            <a:spAutoFit/>
+          </a:bodyPr>
+          <a:lstStyle/>
+          <a:p>
+            <a:r>
+              <a:rPr lang="en-US" sz="1600" dirty="0"/>
+              <a:t>1G</a:t>
+            </a:r>
+          </a:p>
+        </p:txBody>
+      </p:sp>
+      <p:sp>
+        <p:nvSpPr>
+          <p:cNvPr id="49" name="TextBox 48">
+            <a:extLst>
+              <a:ext uri="{FF2B5EF4-FFF2-40B4-BE49-F238E27FC236}">
+                <a16:creationId xmlns:a16="http://schemas.microsoft.com/office/drawing/2014/main" id="{AA7C5DEA-1994-4677-871E-BD4EECD4E150}"/>
+              </a:ext>
+            </a:extLst>
+          </p:cNvPr>
+          <p:cNvSpPr txBox="1"/>
+          <p:nvPr/>
+        </p:nvSpPr>
+        <p:spPr>
+          <a:xfrm>
+            <a:off x="2195543" y="2749926"/>
+            <a:ext cx="418704" cy="338554"/>
+          </a:xfrm>
+          <a:prstGeom prst="rect">
+            <a:avLst/>
+          </a:prstGeom>
+          <a:noFill/>
+        </p:spPr>
+        <p:txBody>
+          <a:bodyPr wrap="none" rtlCol="0">
+            <a:spAutoFit/>
+          </a:bodyPr>
+          <a:lstStyle/>
+          <a:p>
+            <a:r>
+              <a:rPr lang="en-US" sz="1600" dirty="0"/>
+              <a:t>1G</a:t>
+            </a:r>
+          </a:p>
+        </p:txBody>
+      </p:sp>
+      <p:sp>
+        <p:nvSpPr>
+          <p:cNvPr id="50" name="TextBox 49">
+            <a:extLst>
+              <a:ext uri="{FF2B5EF4-FFF2-40B4-BE49-F238E27FC236}">
+                <a16:creationId xmlns:a16="http://schemas.microsoft.com/office/drawing/2014/main" id="{B2DE45F8-0584-4573-B1D0-203C0BE15E32}"/>
+              </a:ext>
+            </a:extLst>
+          </p:cNvPr>
+          <p:cNvSpPr txBox="1"/>
+          <p:nvPr/>
+        </p:nvSpPr>
+        <p:spPr>
+          <a:xfrm>
+            <a:off x="3957921" y="2788946"/>
+            <a:ext cx="418704" cy="338554"/>
+          </a:xfrm>
+          <a:prstGeom prst="rect">
+            <a:avLst/>
+          </a:prstGeom>
+          <a:noFill/>
+        </p:spPr>
+        <p:txBody>
+          <a:bodyPr wrap="none" rtlCol="0">
+            <a:spAutoFit/>
+          </a:bodyPr>
+          <a:lstStyle/>
+          <a:p>
+            <a:r>
+              <a:rPr lang="en-US" sz="1600" dirty="0"/>
+              <a:t>1G</a:t>
+            </a:r>
+          </a:p>
+        </p:txBody>
+      </p:sp>
+      <p:sp>
+        <p:nvSpPr>
+          <p:cNvPr id="51" name="TextBox 50">
+            <a:extLst>
+              <a:ext uri="{FF2B5EF4-FFF2-40B4-BE49-F238E27FC236}">
+                <a16:creationId xmlns:a16="http://schemas.microsoft.com/office/drawing/2014/main" id="{A018901E-523F-4164-9C7D-CF42DE112918}"/>
+              </a:ext>
+            </a:extLst>
+          </p:cNvPr>
+          <p:cNvSpPr txBox="1"/>
+          <p:nvPr/>
+        </p:nvSpPr>
+        <p:spPr>
+          <a:xfrm>
+            <a:off x="5726690" y="2773179"/>
+            <a:ext cx="418704" cy="338554"/>
+          </a:xfrm>
+          <a:prstGeom prst="rect">
+            <a:avLst/>
+          </a:prstGeom>
+          <a:noFill/>
+        </p:spPr>
+        <p:txBody>
+          <a:bodyPr wrap="none" rtlCol="0">
+            <a:spAutoFit/>
+          </a:bodyPr>
+          <a:lstStyle/>
+          <a:p>
+            <a:r>
+              <a:rPr lang="en-US" sz="1600" dirty="0"/>
+              <a:t>1G</a:t>
+            </a:r>
+          </a:p>
+        </p:txBody>
+      </p:sp>
     </p:spTree>
     <p:extLst>
       <p:ext uri="{BB962C8B-B14F-4D97-AF65-F5344CB8AC3E}">
@@ -4702,7 +4997,7 @@
         <a:srgbClr val="E7E6E6"/>
       </a:lt2>
       <a:accent1>
-        <a:srgbClr val="5B9BD5"/>
+        <a:srgbClr val="4472C4"/>
       </a:accent1>
       <a:accent2>
         <a:srgbClr val="ED7D31"/>
@@ -4714,7 +5009,7 @@
         <a:srgbClr val="FFC000"/>
       </a:accent4>
       <a:accent5>
-        <a:srgbClr val="4472C4"/>
+        <a:srgbClr val="5B9BD5"/>
       </a:accent5>
       <a:accent6>
         <a:srgbClr val="70AD47"/>
@@ -4731,9 +5026,9 @@
         <a:latin typeface="Calibri Light" panose="020F0302020204030204"/>
         <a:ea typeface=""/>
         <a:cs typeface=""/>
-        <a:font script="Jpan" typeface="ＭＳ Ｐゴシック"/>
+        <a:font script="Jpan" typeface="游ゴシック Light"/>
         <a:font script="Hang" typeface="맑은 고딕"/>
-        <a:font script="Hans" typeface="宋体"/>
+        <a:font script="Hans" typeface="等线 Light"/>
         <a:font script="Hant" typeface="新細明體"/>
         <a:font script="Arab" typeface="Times New Roman"/>
         <a:font script="Hebr" typeface="Times New Roman"/>
@@ -4766,9 +5061,9 @@
         <a:latin typeface="Calibri" panose="020F0502020204030204"/>
         <a:ea typeface=""/>
         <a:cs typeface=""/>
-        <a:font script="Jpan" typeface="ＭＳ Ｐゴシック"/>
+        <a:font script="Jpan" typeface="游ゴシック"/>
         <a:font script="Hang" typeface="맑은 고딕"/>
-        <a:font script="Hans" typeface="宋体"/>
+        <a:font script="Hans" typeface="等线"/>
         <a:font script="Hant" typeface="新細明體"/>
         <a:font script="Arab" typeface="Arial"/>
         <a:font script="Hebr" typeface="Arial"/>
